--- a/0x1115/Seminar/Jun-11-Caddy-Nginx.pptx
+++ b/0x1115/Seminar/Jun-11-Caddy-Nginx.pptx
@@ -5,7 +5,7 @@
     <p:sldMasterId id="2147483738" r:id="rId1"/>
   </p:sldMasterIdLst>
   <p:notesMasterIdLst>
-    <p:notesMasterId r:id="rId16"/>
+    <p:notesMasterId r:id="rId17"/>
   </p:notesMasterIdLst>
   <p:sldIdLst>
     <p:sldId id="256" r:id="rId2"/>
@@ -22,6 +22,7 @@
     <p:sldId id="268" r:id="rId13"/>
     <p:sldId id="269" r:id="rId14"/>
     <p:sldId id="270" r:id="rId15"/>
+    <p:sldId id="271" r:id="rId16"/>
   </p:sldIdLst>
   <p:sldSz cx="12192000" cy="6858000"/>
   <p:notesSz cx="6858000" cy="9144000"/>
@@ -1786,10 +1787,24 @@
     <dgm:pt modelId="{A9FF13AD-A3AF-A24D-B77B-2479A48C6A5C}" type="pres">
       <dgm:prSet presAssocID="{5FA84294-0B83-124E-956D-132B011901FA}" presName="conn2-1" presStyleLbl="parChTrans1D2" presStyleIdx="7" presStyleCnt="9"/>
       <dgm:spPr/>
+      <dgm:t>
+        <a:bodyPr/>
+        <a:lstStyle/>
+        <a:p>
+          <a:endParaRPr lang="en-US"/>
+        </a:p>
+      </dgm:t>
     </dgm:pt>
     <dgm:pt modelId="{9C461F09-ADF6-A444-868C-8E7FB876C8E0}" type="pres">
       <dgm:prSet presAssocID="{5FA84294-0B83-124E-956D-132B011901FA}" presName="connTx" presStyleLbl="parChTrans1D2" presStyleIdx="7" presStyleCnt="9"/>
       <dgm:spPr/>
+      <dgm:t>
+        <a:bodyPr/>
+        <a:lstStyle/>
+        <a:p>
+          <a:endParaRPr lang="en-US"/>
+        </a:p>
+      </dgm:t>
     </dgm:pt>
     <dgm:pt modelId="{0125AD83-7854-844D-96C9-0684ABA3CB70}" type="pres">
       <dgm:prSet presAssocID="{0ADBBB31-81AC-0E40-98BB-1CFCA4322509}" presName="root2" presStyleCnt="0"/>
@@ -1908,8 +1923,8 @@
     <dgm:cxn modelId="{D3F474CF-1B9D-FB44-A8B1-0DB9182D28E9}" type="presOf" srcId="{9B8C9DF8-984F-C742-AD5D-B7B6C2C812D9}" destId="{AD8BF06B-5720-6943-9157-32415617B67F}" srcOrd="0" destOrd="0" presId="urn:microsoft.com/office/officeart/2008/layout/HorizontalMultiLevelHierarchy"/>
     <dgm:cxn modelId="{84BAFF07-FC02-1349-A81E-91CB18F6E0B1}" srcId="{8CD8828D-365D-0247-A899-B5D211C711BD}" destId="{3B148648-0A22-4042-A24C-0287F7D3C3AC}" srcOrd="1" destOrd="0" parTransId="{C4630A29-C517-444A-A0EE-63F3D6A46642}" sibTransId="{FAD1632F-724D-0F49-AF58-9E399A7EEB63}"/>
     <dgm:cxn modelId="{55011225-A1CD-6243-BE15-C667E6CBA96E}" type="presOf" srcId="{93ADCAB0-3E0C-E34F-A19D-7F2F4659C11A}" destId="{A4CAC8A5-3AC1-E144-887F-889594276674}" srcOrd="0" destOrd="0" presId="urn:microsoft.com/office/officeart/2008/layout/HorizontalMultiLevelHierarchy"/>
+    <dgm:cxn modelId="{097E0F04-99D1-734E-8A32-10DF9C3B5A87}" type="presOf" srcId="{2DA87B93-6A12-BC45-9D1F-B082C6C45E22}" destId="{EBACBA37-8AA8-B540-9F52-8AB0E0DC1CC1}" srcOrd="0" destOrd="0" presId="urn:microsoft.com/office/officeart/2008/layout/HorizontalMultiLevelHierarchy"/>
     <dgm:cxn modelId="{279BA40D-6CA5-F340-8AFD-EA492B0E64F1}" type="presOf" srcId="{B149B706-052C-B44F-9BE8-55B95CB3C3BB}" destId="{8E0D84EB-06DA-BF43-8EB8-9F39F70B6E90}" srcOrd="1" destOrd="0" presId="urn:microsoft.com/office/officeart/2008/layout/HorizontalMultiLevelHierarchy"/>
-    <dgm:cxn modelId="{097E0F04-99D1-734E-8A32-10DF9C3B5A87}" type="presOf" srcId="{2DA87B93-6A12-BC45-9D1F-B082C6C45E22}" destId="{EBACBA37-8AA8-B540-9F52-8AB0E0DC1CC1}" srcOrd="0" destOrd="0" presId="urn:microsoft.com/office/officeart/2008/layout/HorizontalMultiLevelHierarchy"/>
     <dgm:cxn modelId="{D024545F-B060-454F-8DF6-15DC4C86370A}" srcId="{8CD8828D-365D-0247-A899-B5D211C711BD}" destId="{3A36ED75-0678-4948-A58B-216E7ED24EE5}" srcOrd="8" destOrd="0" parTransId="{2DA87B93-6A12-BC45-9D1F-B082C6C45E22}" sibTransId="{CC9D0DEA-E2B6-A642-B936-076CB0E8CF62}"/>
     <dgm:cxn modelId="{6CC9DEB3-89DD-B44D-A698-0FB599295138}" type="presOf" srcId="{A6E1EE22-3EAD-8042-8253-B9B1B2379226}" destId="{D1B2A872-BE2C-E14D-8350-4E96D72021AB}" srcOrd="0" destOrd="0" presId="urn:microsoft.com/office/officeart/2008/layout/HorizontalMultiLevelHierarchy"/>
     <dgm:cxn modelId="{31D98075-4529-1842-B73C-747E65453988}" srcId="{93ADCAB0-3E0C-E34F-A19D-7F2F4659C11A}" destId="{8CD8828D-365D-0247-A899-B5D211C711BD}" srcOrd="0" destOrd="0" parTransId="{FB700208-7DB1-6545-831B-B3A38331F21E}" sibTransId="{91D36615-B467-734A-9E19-2864C3244D7D}"/>
@@ -5291,6 +5306,90 @@
           <a:p>
             <a:fld id="{2D23A6C0-EBF9-C74F-BFBD-EA76FFDACC22}" type="slidenum">
               <a:rPr lang="en-US" smtClean="0"/>
+              <a:t>1</a:t>
+            </a:fld>
+            <a:endParaRPr lang="en-US"/>
+          </a:p>
+        </p:txBody>
+      </p:sp>
+    </p:spTree>
+    <p:extLst>
+      <p:ext uri="{BB962C8B-B14F-4D97-AF65-F5344CB8AC3E}">
+        <p14:creationId xmlns:p14="http://schemas.microsoft.com/office/powerpoint/2010/main" val="139170087"/>
+      </p:ext>
+    </p:extLst>
+  </p:cSld>
+  <p:clrMapOvr>
+    <a:masterClrMapping/>
+  </p:clrMapOvr>
+</p:notes>
+</file>
+
+<file path=ppt/notesSlides/notesSlide2.xml><?xml version="1.0" encoding="utf-8"?>
+<p:notes xmlns:a="http://schemas.openxmlformats.org/drawingml/2006/main" xmlns:r="http://schemas.openxmlformats.org/officeDocument/2006/relationships" xmlns:p="http://schemas.openxmlformats.org/presentationml/2006/main">
+  <p:cSld>
+    <p:spTree>
+      <p:nvGrpSpPr>
+        <p:cNvPr id="1" name=""/>
+        <p:cNvGrpSpPr/>
+        <p:nvPr/>
+      </p:nvGrpSpPr>
+      <p:grpSpPr>
+        <a:xfrm>
+          <a:off x="0" y="0"/>
+          <a:ext cx="0" cy="0"/>
+          <a:chOff x="0" y="0"/>
+          <a:chExt cx="0" cy="0"/>
+        </a:xfrm>
+      </p:grpSpPr>
+      <p:sp>
+        <p:nvSpPr>
+          <p:cNvPr id="2" name="Slide Image Placeholder 1"/>
+          <p:cNvSpPr>
+            <a:spLocks noGrp="1" noRot="1" noChangeAspect="1"/>
+          </p:cNvSpPr>
+          <p:nvPr>
+            <p:ph type="sldImg"/>
+          </p:nvPr>
+        </p:nvSpPr>
+        <p:spPr/>
+      </p:sp>
+      <p:sp>
+        <p:nvSpPr>
+          <p:cNvPr id="3" name="Notes Placeholder 2"/>
+          <p:cNvSpPr>
+            <a:spLocks noGrp="1"/>
+          </p:cNvSpPr>
+          <p:nvPr>
+            <p:ph type="body" idx="1"/>
+          </p:nvPr>
+        </p:nvSpPr>
+        <p:spPr/>
+        <p:txBody>
+          <a:bodyPr/>
+          <a:lstStyle/>
+          <a:p>
+            <a:endParaRPr lang="en-US" dirty="0"/>
+          </a:p>
+        </p:txBody>
+      </p:sp>
+      <p:sp>
+        <p:nvSpPr>
+          <p:cNvPr id="4" name="Slide Number Placeholder 3"/>
+          <p:cNvSpPr>
+            <a:spLocks noGrp="1"/>
+          </p:cNvSpPr>
+          <p:nvPr>
+            <p:ph type="sldNum" sz="quarter" idx="10"/>
+          </p:nvPr>
+        </p:nvSpPr>
+        <p:spPr/>
+        <p:txBody>
+          <a:bodyPr/>
+          <a:lstStyle/>
+          <a:p>
+            <a:fld id="{2D23A6C0-EBF9-C74F-BFBD-EA76FFDACC22}" type="slidenum">
+              <a:rPr lang="en-US" smtClean="0"/>
               <a:t>3</a:t>
             </a:fld>
             <a:endParaRPr lang="en-US"/>
@@ -5301,6 +5400,90 @@
     <p:extLst>
       <p:ext uri="{BB962C8B-B14F-4D97-AF65-F5344CB8AC3E}">
         <p14:creationId xmlns:p14="http://schemas.microsoft.com/office/powerpoint/2010/main" val="656253651"/>
+      </p:ext>
+    </p:extLst>
+  </p:cSld>
+  <p:clrMapOvr>
+    <a:masterClrMapping/>
+  </p:clrMapOvr>
+</p:notes>
+</file>
+
+<file path=ppt/notesSlides/notesSlide3.xml><?xml version="1.0" encoding="utf-8"?>
+<p:notes xmlns:a="http://schemas.openxmlformats.org/drawingml/2006/main" xmlns:r="http://schemas.openxmlformats.org/officeDocument/2006/relationships" xmlns:p="http://schemas.openxmlformats.org/presentationml/2006/main">
+  <p:cSld>
+    <p:spTree>
+      <p:nvGrpSpPr>
+        <p:cNvPr id="1" name=""/>
+        <p:cNvGrpSpPr/>
+        <p:nvPr/>
+      </p:nvGrpSpPr>
+      <p:grpSpPr>
+        <a:xfrm>
+          <a:off x="0" y="0"/>
+          <a:ext cx="0" cy="0"/>
+          <a:chOff x="0" y="0"/>
+          <a:chExt cx="0" cy="0"/>
+        </a:xfrm>
+      </p:grpSpPr>
+      <p:sp>
+        <p:nvSpPr>
+          <p:cNvPr id="2" name="Slide Image Placeholder 1"/>
+          <p:cNvSpPr>
+            <a:spLocks noGrp="1" noRot="1" noChangeAspect="1"/>
+          </p:cNvSpPr>
+          <p:nvPr>
+            <p:ph type="sldImg"/>
+          </p:nvPr>
+        </p:nvSpPr>
+        <p:spPr/>
+      </p:sp>
+      <p:sp>
+        <p:nvSpPr>
+          <p:cNvPr id="3" name="Notes Placeholder 2"/>
+          <p:cNvSpPr>
+            <a:spLocks noGrp="1"/>
+          </p:cNvSpPr>
+          <p:nvPr>
+            <p:ph type="body" idx="1"/>
+          </p:nvPr>
+        </p:nvSpPr>
+        <p:spPr/>
+        <p:txBody>
+          <a:bodyPr/>
+          <a:lstStyle/>
+          <a:p>
+            <a:endParaRPr lang="en-US" dirty="0"/>
+          </a:p>
+        </p:txBody>
+      </p:sp>
+      <p:sp>
+        <p:nvSpPr>
+          <p:cNvPr id="4" name="Slide Number Placeholder 3"/>
+          <p:cNvSpPr>
+            <a:spLocks noGrp="1"/>
+          </p:cNvSpPr>
+          <p:nvPr>
+            <p:ph type="sldNum" sz="quarter" idx="10"/>
+          </p:nvPr>
+        </p:nvSpPr>
+        <p:spPr/>
+        <p:txBody>
+          <a:bodyPr/>
+          <a:lstStyle/>
+          <a:p>
+            <a:fld id="{2D23A6C0-EBF9-C74F-BFBD-EA76FFDACC22}" type="slidenum">
+              <a:rPr lang="en-US" smtClean="0"/>
+              <a:t>9</a:t>
+            </a:fld>
+            <a:endParaRPr lang="en-US"/>
+          </a:p>
+        </p:txBody>
+      </p:sp>
+    </p:spTree>
+    <p:extLst>
+      <p:ext uri="{BB962C8B-B14F-4D97-AF65-F5344CB8AC3E}">
+        <p14:creationId xmlns:p14="http://schemas.microsoft.com/office/powerpoint/2010/main" val="400920054"/>
       </p:ext>
     </p:extLst>
   </p:cSld>
@@ -9490,7 +9673,12 @@
             <p:ph type="subTitle" idx="1"/>
           </p:nvPr>
         </p:nvSpPr>
-        <p:spPr/>
+        <p:spPr>
+          <a:xfrm>
+            <a:off x="1088913" y="3526498"/>
+            <a:ext cx="7034362" cy="706355"/>
+          </a:xfrm>
+        </p:spPr>
         <p:txBody>
           <a:bodyPr>
             <a:normAutofit fontScale="92500" lnSpcReduction="10000"/>
@@ -9518,7 +9706,7 @@
         </p:nvSpPr>
         <p:spPr>
           <a:xfrm>
-            <a:off x="1088913" y="6185281"/>
+            <a:off x="1088913" y="4156892"/>
             <a:ext cx="4751622" cy="369332"/>
           </a:xfrm>
           <a:prstGeom prst="rect">
@@ -9554,6 +9742,68 @@
           </a:p>
         </p:txBody>
       </p:sp>
+      <p:sp>
+        <p:nvSpPr>
+          <p:cNvPr id="5" name="Rectangle 4"/>
+          <p:cNvSpPr/>
+          <p:nvPr/>
+        </p:nvSpPr>
+        <p:spPr>
+          <a:xfrm>
+            <a:off x="1293051" y="2219097"/>
+            <a:ext cx="6200865" cy="584775"/>
+          </a:xfrm>
+          <a:prstGeom prst="rect">
+            <a:avLst/>
+          </a:prstGeom>
+        </p:spPr>
+        <p:txBody>
+          <a:bodyPr wrap="none">
+            <a:spAutoFit/>
+          </a:bodyPr>
+          <a:lstStyle/>
+          <a:p>
+            <a:r>
+              <a:rPr lang="en-US" sz="3200" b="1" dirty="0" smtClean="0"/>
+              <a:t>A </a:t>
+            </a:r>
+            <a:r>
+              <a:rPr lang="en-US" sz="3200" b="1" dirty="0"/>
+              <a:t>Lightweight HTTP/2 Web Server</a:t>
+            </a:r>
+          </a:p>
+        </p:txBody>
+      </p:sp>
+      <p:pic>
+        <p:nvPicPr>
+          <p:cNvPr id="6" name="Picture 5"/>
+          <p:cNvPicPr>
+            <a:picLocks noChangeAspect="1"/>
+          </p:cNvPicPr>
+          <p:nvPr/>
+        </p:nvPicPr>
+        <p:blipFill>
+          <a:blip r:embed="rId3">
+            <a:extLst>
+              <a:ext uri="{28A0092B-C50C-407E-A947-70E740481C1C}">
+                <a14:useLocalDpi xmlns:a14="http://schemas.microsoft.com/office/drawing/2010/main" val="0"/>
+              </a:ext>
+            </a:extLst>
+          </a:blip>
+          <a:stretch>
+            <a:fillRect/>
+          </a:stretch>
+        </p:blipFill>
+        <p:spPr>
+          <a:xfrm>
+            <a:off x="0" y="6019619"/>
+            <a:ext cx="12192000" cy="897499"/>
+          </a:xfrm>
+          <a:prstGeom prst="rect">
+            <a:avLst/>
+          </a:prstGeom>
+        </p:spPr>
+      </p:pic>
     </p:spTree>
     <p:extLst>
       <p:ext uri="{BB962C8B-B14F-4D97-AF65-F5344CB8AC3E}">
@@ -9564,6 +9814,13 @@
   <p:clrMapOvr>
     <a:masterClrMapping/>
   </p:clrMapOvr>
+  <p:timing>
+    <p:tnLst>
+      <p:par>
+        <p:cTn id="1" dur="indefinite" restart="never" nodeType="tmRoot"/>
+      </p:par>
+    </p:tnLst>
+  </p:timing>
 </p:sld>
 </file>
 
@@ -9593,7 +9850,7 @@
         <p:spPr>
           <a:xfrm>
             <a:off x="404190" y="264541"/>
-            <a:ext cx="11642035" cy="830997"/>
+            <a:ext cx="11642035" cy="1015663"/>
           </a:xfrm>
           <a:prstGeom prst="rect">
             <a:avLst/>
@@ -9606,14 +9863,14 @@
           <a:lstStyle/>
           <a:p>
             <a:r>
-              <a:rPr lang="en-US" sz="4800" b="1" dirty="0" err="1" smtClean="0"/>
+              <a:rPr lang="en-US" sz="6000" b="1" dirty="0" err="1" smtClean="0"/>
               <a:t>Git</a:t>
             </a:r>
             <a:r>
-              <a:rPr lang="en-US" sz="4800" b="1" dirty="0" smtClean="0"/>
+              <a:rPr lang="en-US" sz="6000" b="1" dirty="0" smtClean="0"/>
               <a:t> (Add-on)</a:t>
             </a:r>
-            <a:endParaRPr lang="en-US" sz="2800" b="1" dirty="0"/>
+            <a:endParaRPr lang="en-US" sz="3600" b="1" dirty="0"/>
           </a:p>
         </p:txBody>
       </p:sp>
@@ -9626,7 +9883,7 @@
         <p:spPr>
           <a:xfrm>
             <a:off x="404190" y="1095538"/>
-            <a:ext cx="6096000" cy="2862322"/>
+            <a:ext cx="6096000" cy="3847207"/>
           </a:xfrm>
           <a:prstGeom prst="rect">
             <a:avLst/>
@@ -9644,7 +9901,7 @@
               </a:spcAft>
             </a:pPr>
             <a:r>
-              <a:rPr lang="en-US">
+              <a:rPr lang="en-US" sz="2400">
                 <a:latin typeface="Courier New" charset="0"/>
                 <a:ea typeface="Calibri" charset="0"/>
                 <a:cs typeface="Times New Roman" charset="0"/>
@@ -9652,7 +9909,7 @@
               <a:t>git</a:t>
             </a:r>
             <a:r>
-              <a:rPr lang="en-US" dirty="0">
+              <a:rPr lang="en-US" sz="2400" dirty="0">
                 <a:latin typeface="Courier New" charset="0"/>
                 <a:ea typeface="Calibri" charset="0"/>
                 <a:cs typeface="Times New Roman" charset="0"/>
@@ -9660,7 +9917,7 @@
               <a:t> repo [</a:t>
             </a:r>
             <a:r>
-              <a:rPr lang="en-US" dirty="0" err="1">
+              <a:rPr lang="en-US" sz="2400" dirty="0" err="1">
                 <a:latin typeface="Courier New" charset="0"/>
                 <a:ea typeface="Calibri" charset="0"/>
                 <a:cs typeface="Times New Roman" charset="0"/>
@@ -9668,14 +9925,14 @@
               <a:t>clonepath</a:t>
             </a:r>
             <a:r>
-              <a:rPr lang="en-US" dirty="0">
+              <a:rPr lang="en-US" sz="2400" dirty="0">
                 <a:latin typeface="Courier New" charset="0"/>
                 <a:ea typeface="Calibri" charset="0"/>
                 <a:cs typeface="Times New Roman" charset="0"/>
               </a:rPr>
               <a:t>] {</a:t>
             </a:r>
-            <a:endParaRPr lang="en-US" sz="2800" dirty="0">
+            <a:endParaRPr lang="en-US" sz="3600" dirty="0">
               <a:latin typeface="Calibri" charset="0"/>
               <a:ea typeface="Calibri" charset="0"/>
               <a:cs typeface="Times New Roman" charset="0"/>
@@ -9688,14 +9945,14 @@
               </a:spcAft>
             </a:pPr>
             <a:r>
-              <a:rPr lang="en-US" dirty="0">
+              <a:rPr lang="en-US" sz="2400" dirty="0">
                 <a:latin typeface="Courier New" charset="0"/>
                 <a:ea typeface="Calibri" charset="0"/>
                 <a:cs typeface="Times New Roman" charset="0"/>
               </a:rPr>
               <a:t>	repo     repo</a:t>
             </a:r>
-            <a:endParaRPr lang="en-US" sz="2800" dirty="0">
+            <a:endParaRPr lang="en-US" sz="3600" dirty="0">
               <a:latin typeface="Calibri" charset="0"/>
               <a:ea typeface="Calibri" charset="0"/>
               <a:cs typeface="Times New Roman" charset="0"/>
@@ -9708,7 +9965,7 @@
               </a:spcAft>
             </a:pPr>
             <a:r>
-              <a:rPr lang="en-US" dirty="0">
+              <a:rPr lang="en-US" sz="2400" dirty="0">
                 <a:latin typeface="Courier New" charset="0"/>
                 <a:ea typeface="Calibri" charset="0"/>
                 <a:cs typeface="Times New Roman" charset="0"/>
@@ -9716,14 +9973,14 @@
               <a:t>	path     </a:t>
             </a:r>
             <a:r>
-              <a:rPr lang="en-US" dirty="0" err="1">
+              <a:rPr lang="en-US" sz="2400" dirty="0" err="1">
                 <a:latin typeface="Courier New" charset="0"/>
                 <a:ea typeface="Calibri" charset="0"/>
                 <a:cs typeface="Times New Roman" charset="0"/>
               </a:rPr>
               <a:t>clonepath</a:t>
             </a:r>
-            <a:endParaRPr lang="en-US" sz="2800" dirty="0">
+            <a:endParaRPr lang="en-US" sz="3600" dirty="0">
               <a:latin typeface="Calibri" charset="0"/>
               <a:ea typeface="Calibri" charset="0"/>
               <a:cs typeface="Times New Roman" charset="0"/>
@@ -9736,14 +9993,14 @@
               </a:spcAft>
             </a:pPr>
             <a:r>
-              <a:rPr lang="en-US" dirty="0">
+              <a:rPr lang="en-US" sz="2400" dirty="0">
                 <a:latin typeface="Courier New" charset="0"/>
                 <a:ea typeface="Calibri" charset="0"/>
                 <a:cs typeface="Times New Roman" charset="0"/>
               </a:rPr>
               <a:t>	branch   branch</a:t>
             </a:r>
-            <a:endParaRPr lang="en-US" sz="2800" dirty="0">
+            <a:endParaRPr lang="en-US" sz="3600" dirty="0">
               <a:latin typeface="Calibri" charset="0"/>
               <a:ea typeface="Calibri" charset="0"/>
               <a:cs typeface="Times New Roman" charset="0"/>
@@ -9756,14 +10013,14 @@
               </a:spcAft>
             </a:pPr>
             <a:r>
-              <a:rPr lang="en-US" dirty="0">
+              <a:rPr lang="en-US" sz="2400" dirty="0">
                 <a:latin typeface="Courier New" charset="0"/>
                 <a:ea typeface="Calibri" charset="0"/>
                 <a:cs typeface="Times New Roman" charset="0"/>
               </a:rPr>
               <a:t>	key      key</a:t>
             </a:r>
-            <a:endParaRPr lang="en-US" sz="2800" dirty="0">
+            <a:endParaRPr lang="en-US" sz="3600" dirty="0">
               <a:latin typeface="Calibri" charset="0"/>
               <a:ea typeface="Calibri" charset="0"/>
               <a:cs typeface="Times New Roman" charset="0"/>
@@ -9776,14 +10033,14 @@
               </a:spcAft>
             </a:pPr>
             <a:r>
-              <a:rPr lang="en-US" dirty="0">
+              <a:rPr lang="en-US" sz="2400" dirty="0">
                 <a:latin typeface="Courier New" charset="0"/>
                 <a:ea typeface="Calibri" charset="0"/>
                 <a:cs typeface="Times New Roman" charset="0"/>
               </a:rPr>
               <a:t>	hook     path [secret]</a:t>
             </a:r>
-            <a:endParaRPr lang="en-US" sz="2800" dirty="0">
+            <a:endParaRPr lang="en-US" sz="3600" dirty="0">
               <a:latin typeface="Calibri" charset="0"/>
               <a:ea typeface="Calibri" charset="0"/>
               <a:cs typeface="Times New Roman" charset="0"/>
@@ -9796,14 +10053,14 @@
               </a:spcAft>
             </a:pPr>
             <a:r>
-              <a:rPr lang="en-US" dirty="0">
+              <a:rPr lang="en-US" sz="2400" dirty="0">
                 <a:latin typeface="Courier New" charset="0"/>
                 <a:ea typeface="Calibri" charset="0"/>
                 <a:cs typeface="Times New Roman" charset="0"/>
               </a:rPr>
               <a:t>	interval interval</a:t>
             </a:r>
-            <a:endParaRPr lang="en-US" sz="2800" dirty="0">
+            <a:endParaRPr lang="en-US" sz="3600" dirty="0">
               <a:latin typeface="Calibri" charset="0"/>
               <a:ea typeface="Calibri" charset="0"/>
               <a:cs typeface="Times New Roman" charset="0"/>
@@ -9816,7 +10073,7 @@
               </a:spcAft>
             </a:pPr>
             <a:r>
-              <a:rPr lang="en-US" dirty="0">
+              <a:rPr lang="en-US" sz="2400" dirty="0">
                 <a:latin typeface="Courier New" charset="0"/>
                 <a:ea typeface="Calibri" charset="0"/>
                 <a:cs typeface="Times New Roman" charset="0"/>
@@ -9824,7 +10081,7 @@
               <a:t>	then     command [</a:t>
             </a:r>
             <a:r>
-              <a:rPr lang="en-US" dirty="0" err="1">
+              <a:rPr lang="en-US" sz="2400" dirty="0" err="1">
                 <a:latin typeface="Courier New" charset="0"/>
                 <a:ea typeface="Calibri" charset="0"/>
                 <a:cs typeface="Times New Roman" charset="0"/>
@@ -9832,14 +10089,14 @@
               <a:t>args</a:t>
             </a:r>
             <a:r>
-              <a:rPr lang="en-US" dirty="0">
+              <a:rPr lang="en-US" sz="2400" dirty="0">
                 <a:latin typeface="Courier New" charset="0"/>
                 <a:ea typeface="Calibri" charset="0"/>
                 <a:cs typeface="Times New Roman" charset="0"/>
               </a:rPr>
               <a:t>...]</a:t>
             </a:r>
-            <a:endParaRPr lang="en-US" sz="2800" dirty="0">
+            <a:endParaRPr lang="en-US" sz="3600" dirty="0">
               <a:latin typeface="Calibri" charset="0"/>
               <a:ea typeface="Calibri" charset="0"/>
               <a:cs typeface="Times New Roman" charset="0"/>
@@ -9852,7 +10109,7 @@
               </a:spcAft>
             </a:pPr>
             <a:r>
-              <a:rPr lang="en-US" dirty="0">
+              <a:rPr lang="en-US" sz="2400" dirty="0">
                 <a:latin typeface="Courier New" charset="0"/>
                 <a:ea typeface="Calibri" charset="0"/>
                 <a:cs typeface="Times New Roman" charset="0"/>
@@ -9860,7 +10117,7 @@
               <a:t>	</a:t>
             </a:r>
             <a:r>
-              <a:rPr lang="en-US" dirty="0" err="1">
+              <a:rPr lang="en-US" sz="2400" dirty="0" err="1">
                 <a:latin typeface="Courier New" charset="0"/>
                 <a:ea typeface="Calibri" charset="0"/>
                 <a:cs typeface="Times New Roman" charset="0"/>
@@ -9868,7 +10125,7 @@
               <a:t>then_longcommand</a:t>
             </a:r>
             <a:r>
-              <a:rPr lang="en-US" dirty="0">
+              <a:rPr lang="en-US" sz="2400" dirty="0">
                 <a:latin typeface="Courier New" charset="0"/>
                 <a:ea typeface="Calibri" charset="0"/>
                 <a:cs typeface="Times New Roman" charset="0"/>
@@ -9876,7 +10133,7 @@
               <a:t> [</a:t>
             </a:r>
             <a:r>
-              <a:rPr lang="en-US" dirty="0" err="1">
+              <a:rPr lang="en-US" sz="2400" dirty="0" err="1">
                 <a:latin typeface="Courier New" charset="0"/>
                 <a:ea typeface="Calibri" charset="0"/>
                 <a:cs typeface="Times New Roman" charset="0"/>
@@ -9884,14 +10141,14 @@
               <a:t>args</a:t>
             </a:r>
             <a:r>
-              <a:rPr lang="en-US" dirty="0">
+              <a:rPr lang="en-US" sz="2400" dirty="0">
                 <a:latin typeface="Courier New" charset="0"/>
                 <a:ea typeface="Calibri" charset="0"/>
                 <a:cs typeface="Times New Roman" charset="0"/>
               </a:rPr>
               <a:t>...]</a:t>
             </a:r>
-            <a:endParaRPr lang="en-US" sz="2800" dirty="0">
+            <a:endParaRPr lang="en-US" sz="3600" dirty="0">
               <a:latin typeface="Calibri" charset="0"/>
               <a:ea typeface="Calibri" charset="0"/>
               <a:cs typeface="Times New Roman" charset="0"/>
@@ -9904,14 +10161,14 @@
               </a:spcAft>
             </a:pPr>
             <a:r>
-              <a:rPr lang="en-US" dirty="0">
+              <a:rPr lang="en-US" sz="2400" dirty="0">
                 <a:latin typeface="Courier New" charset="0"/>
                 <a:ea typeface="Calibri" charset="0"/>
                 <a:cs typeface="Times New Roman" charset="0"/>
               </a:rPr>
               <a:t>}</a:t>
             </a:r>
-            <a:endParaRPr lang="en-US" sz="2800" dirty="0">
+            <a:endParaRPr lang="en-US" sz="3600" dirty="0">
               <a:effectLst/>
               <a:latin typeface="Calibri" charset="0"/>
               <a:ea typeface="Calibri" charset="0"/>
@@ -9928,8 +10185,8 @@
         </p:nvSpPr>
         <p:spPr>
           <a:xfrm>
-            <a:off x="5174974" y="264541"/>
-            <a:ext cx="6096000" cy="6401753"/>
+            <a:off x="6096000" y="196573"/>
+            <a:ext cx="6096000" cy="4339650"/>
           </a:xfrm>
           <a:prstGeom prst="rect">
             <a:avLst/>
@@ -9942,7 +10199,7 @@
           <a:lstStyle/>
           <a:p>
             <a:r>
-              <a:rPr lang="en-US" sz="2800" dirty="0">
+              <a:rPr lang="en-US" sz="3600" dirty="0">
                 <a:latin typeface="Times New Roman" charset="0"/>
                 <a:ea typeface="Calibri" charset="0"/>
               </a:rPr>
@@ -9950,448 +10207,76 @@
             </a:r>
           </a:p>
           <a:p>
-            <a:pPr>
-              <a:spcAft>
-                <a:spcPts val="0"/>
-              </a:spcAft>
-            </a:pPr>
-            <a:r>
-              <a:rPr lang="en-US" dirty="0" err="1">
-                <a:latin typeface="Courier New" charset="0"/>
-                <a:ea typeface="Calibri" charset="0"/>
-                <a:cs typeface="Times New Roman" charset="0"/>
-              </a:rPr>
+            <a:r>
+              <a:rPr lang="en-US" sz="2400" dirty="0" err="1"/>
               <a:t>git</a:t>
             </a:r>
             <a:r>
-              <a:rPr lang="en-US" dirty="0">
-                <a:latin typeface="Courier New" charset="0"/>
-                <a:ea typeface="Calibri" charset="0"/>
-                <a:cs typeface="Times New Roman" charset="0"/>
-              </a:rPr>
-              <a:t> repo [</a:t>
-            </a:r>
-            <a:r>
-              <a:rPr lang="en-US" dirty="0" err="1">
-                <a:latin typeface="Courier New" charset="0"/>
-                <a:ea typeface="Calibri" charset="0"/>
-                <a:cs typeface="Times New Roman" charset="0"/>
-              </a:rPr>
-              <a:t>clonepath</a:t>
-            </a:r>
-            <a:r>
-              <a:rPr lang="en-US" dirty="0">
-                <a:latin typeface="Courier New" charset="0"/>
-                <a:ea typeface="Calibri" charset="0"/>
-                <a:cs typeface="Times New Roman" charset="0"/>
-              </a:rPr>
-              <a:t>] {</a:t>
-            </a:r>
-            <a:endParaRPr lang="en-US" sz="2800" dirty="0">
-              <a:latin typeface="Calibri" charset="0"/>
-              <a:ea typeface="Calibri" charset="0"/>
-              <a:cs typeface="Times New Roman" charset="0"/>
-            </a:endParaRPr>
-          </a:p>
-          <a:p>
-            <a:pPr>
-              <a:spcAft>
-                <a:spcPts val="0"/>
-              </a:spcAft>
-            </a:pPr>
-            <a:r>
-              <a:rPr lang="en-US" dirty="0">
-                <a:latin typeface="Courier New" charset="0"/>
-                <a:ea typeface="Calibri" charset="0"/>
-                <a:cs typeface="Times New Roman" charset="0"/>
-              </a:rPr>
-              <a:t>	repo     repo</a:t>
-            </a:r>
-            <a:endParaRPr lang="en-US" sz="2800" dirty="0">
-              <a:latin typeface="Calibri" charset="0"/>
-              <a:ea typeface="Calibri" charset="0"/>
-              <a:cs typeface="Times New Roman" charset="0"/>
-            </a:endParaRPr>
-          </a:p>
-          <a:p>
-            <a:pPr>
-              <a:spcAft>
-                <a:spcPts val="0"/>
-              </a:spcAft>
-            </a:pPr>
-            <a:r>
-              <a:rPr lang="en-US" dirty="0">
-                <a:latin typeface="Courier New" charset="0"/>
-                <a:ea typeface="Calibri" charset="0"/>
-                <a:cs typeface="Times New Roman" charset="0"/>
-              </a:rPr>
-              <a:t>	path     </a:t>
-            </a:r>
-            <a:r>
-              <a:rPr lang="en-US" dirty="0" err="1">
-                <a:latin typeface="Courier New" charset="0"/>
-                <a:ea typeface="Calibri" charset="0"/>
-                <a:cs typeface="Times New Roman" charset="0"/>
-              </a:rPr>
-              <a:t>clonepath</a:t>
-            </a:r>
-            <a:endParaRPr lang="en-US" sz="2800" dirty="0">
-              <a:latin typeface="Calibri" charset="0"/>
-              <a:ea typeface="Calibri" charset="0"/>
-              <a:cs typeface="Times New Roman" charset="0"/>
-            </a:endParaRPr>
-          </a:p>
-          <a:p>
-            <a:pPr>
-              <a:spcAft>
-                <a:spcPts val="0"/>
-              </a:spcAft>
-            </a:pPr>
-            <a:r>
-              <a:rPr lang="en-US" dirty="0">
-                <a:latin typeface="Courier New" charset="0"/>
-                <a:ea typeface="Calibri" charset="0"/>
-                <a:cs typeface="Times New Roman" charset="0"/>
-              </a:rPr>
-              <a:t>	branch   branch</a:t>
-            </a:r>
-            <a:endParaRPr lang="en-US" sz="2800" dirty="0">
-              <a:latin typeface="Calibri" charset="0"/>
-              <a:ea typeface="Calibri" charset="0"/>
-              <a:cs typeface="Times New Roman" charset="0"/>
-            </a:endParaRPr>
-          </a:p>
-          <a:p>
-            <a:pPr>
-              <a:spcAft>
-                <a:spcPts val="0"/>
-              </a:spcAft>
-            </a:pPr>
-            <a:r>
-              <a:rPr lang="en-US" dirty="0">
-                <a:latin typeface="Courier New" charset="0"/>
-                <a:ea typeface="Calibri" charset="0"/>
-                <a:cs typeface="Times New Roman" charset="0"/>
-              </a:rPr>
-              <a:t>	key      key</a:t>
-            </a:r>
-            <a:endParaRPr lang="en-US" sz="2800" dirty="0">
-              <a:latin typeface="Calibri" charset="0"/>
-              <a:ea typeface="Calibri" charset="0"/>
-              <a:cs typeface="Times New Roman" charset="0"/>
-            </a:endParaRPr>
-          </a:p>
-          <a:p>
-            <a:pPr>
-              <a:spcAft>
-                <a:spcPts val="0"/>
-              </a:spcAft>
-            </a:pPr>
-            <a:r>
-              <a:rPr lang="en-US" dirty="0">
-                <a:latin typeface="Courier New" charset="0"/>
-                <a:ea typeface="Calibri" charset="0"/>
-                <a:cs typeface="Times New Roman" charset="0"/>
-              </a:rPr>
-              <a:t>	hook     path [secret]</a:t>
-            </a:r>
-            <a:endParaRPr lang="en-US" sz="2800" dirty="0">
-              <a:latin typeface="Calibri" charset="0"/>
-              <a:ea typeface="Calibri" charset="0"/>
-              <a:cs typeface="Times New Roman" charset="0"/>
-            </a:endParaRPr>
-          </a:p>
-          <a:p>
-            <a:pPr>
-              <a:spcAft>
-                <a:spcPts val="0"/>
-              </a:spcAft>
-            </a:pPr>
-            <a:r>
-              <a:rPr lang="en-US" dirty="0">
-                <a:latin typeface="Courier New" charset="0"/>
-                <a:ea typeface="Calibri" charset="0"/>
-                <a:cs typeface="Times New Roman" charset="0"/>
-              </a:rPr>
-              <a:t>	interval interval</a:t>
-            </a:r>
-            <a:endParaRPr lang="en-US" sz="2800" dirty="0">
-              <a:latin typeface="Calibri" charset="0"/>
-              <a:ea typeface="Calibri" charset="0"/>
-              <a:cs typeface="Times New Roman" charset="0"/>
-            </a:endParaRPr>
-          </a:p>
-          <a:p>
-            <a:pPr>
-              <a:spcAft>
-                <a:spcPts val="0"/>
-              </a:spcAft>
-            </a:pPr>
-            <a:r>
-              <a:rPr lang="en-US" dirty="0">
-                <a:latin typeface="Courier New" charset="0"/>
-                <a:ea typeface="Calibri" charset="0"/>
-                <a:cs typeface="Times New Roman" charset="0"/>
-              </a:rPr>
-              <a:t>	then     command [</a:t>
-            </a:r>
-            <a:r>
-              <a:rPr lang="en-US" dirty="0" err="1">
-                <a:latin typeface="Courier New" charset="0"/>
-                <a:ea typeface="Calibri" charset="0"/>
-                <a:cs typeface="Times New Roman" charset="0"/>
-              </a:rPr>
-              <a:t>args</a:t>
-            </a:r>
-            <a:r>
-              <a:rPr lang="en-US" dirty="0">
-                <a:latin typeface="Courier New" charset="0"/>
-                <a:ea typeface="Calibri" charset="0"/>
-                <a:cs typeface="Times New Roman" charset="0"/>
-              </a:rPr>
-              <a:t>...]</a:t>
-            </a:r>
-            <a:endParaRPr lang="en-US" sz="2800" dirty="0">
-              <a:latin typeface="Calibri" charset="0"/>
-              <a:ea typeface="Calibri" charset="0"/>
-              <a:cs typeface="Times New Roman" charset="0"/>
-            </a:endParaRPr>
-          </a:p>
-          <a:p>
-            <a:pPr>
-              <a:spcAft>
-                <a:spcPts val="0"/>
-              </a:spcAft>
-            </a:pPr>
-            <a:r>
-              <a:rPr lang="en-US" dirty="0">
-                <a:latin typeface="Courier New" charset="0"/>
-                <a:ea typeface="Calibri" charset="0"/>
-                <a:cs typeface="Times New Roman" charset="0"/>
-              </a:rPr>
-              <a:t>	</a:t>
-            </a:r>
-            <a:r>
-              <a:rPr lang="en-US" dirty="0" err="1">
-                <a:latin typeface="Courier New" charset="0"/>
-                <a:ea typeface="Calibri" charset="0"/>
-                <a:cs typeface="Times New Roman" charset="0"/>
-              </a:rPr>
-              <a:t>then_longcommand</a:t>
-            </a:r>
-            <a:r>
-              <a:rPr lang="en-US" dirty="0">
-                <a:latin typeface="Courier New" charset="0"/>
-                <a:ea typeface="Calibri" charset="0"/>
-                <a:cs typeface="Times New Roman" charset="0"/>
-              </a:rPr>
-              <a:t> [</a:t>
-            </a:r>
-            <a:r>
-              <a:rPr lang="en-US" dirty="0" err="1">
-                <a:latin typeface="Courier New" charset="0"/>
-                <a:ea typeface="Calibri" charset="0"/>
-                <a:cs typeface="Times New Roman" charset="0"/>
-              </a:rPr>
-              <a:t>args</a:t>
-            </a:r>
-            <a:r>
-              <a:rPr lang="en-US" dirty="0">
-                <a:latin typeface="Courier New" charset="0"/>
-                <a:ea typeface="Calibri" charset="0"/>
-                <a:cs typeface="Times New Roman" charset="0"/>
-              </a:rPr>
-              <a:t>...]</a:t>
-            </a:r>
-            <a:endParaRPr lang="en-US" sz="2800" dirty="0">
-              <a:latin typeface="Calibri" charset="0"/>
-              <a:ea typeface="Calibri" charset="0"/>
-              <a:cs typeface="Times New Roman" charset="0"/>
-            </a:endParaRPr>
-          </a:p>
-          <a:p>
-            <a:pPr>
-              <a:spcAft>
-                <a:spcPts val="0"/>
-              </a:spcAft>
-            </a:pPr>
-            <a:r>
-              <a:rPr lang="en-US" dirty="0">
-                <a:latin typeface="Courier New" charset="0"/>
-                <a:ea typeface="Calibri" charset="0"/>
-                <a:cs typeface="Times New Roman" charset="0"/>
-              </a:rPr>
+              <a:rPr lang="en-US" sz="2400" dirty="0"/>
+              <a:t> {</a:t>
+            </a:r>
+          </a:p>
+          <a:p>
+            <a:r>
+              <a:rPr lang="en-US" sz="2400" dirty="0"/>
+              <a:t>	repo     </a:t>
+            </a:r>
+            <a:r>
+              <a:rPr lang="en-US" sz="2400" dirty="0" err="1"/>
+              <a:t>git@github.com:user</a:t>
+            </a:r>
+            <a:r>
+              <a:rPr lang="en-US" sz="2400" dirty="0"/>
+              <a:t>/</a:t>
+            </a:r>
+            <a:r>
+              <a:rPr lang="en-US" sz="2400" dirty="0" err="1"/>
+              <a:t>myproject</a:t>
+            </a:r>
+            <a:endParaRPr lang="en-US" sz="2400" dirty="0"/>
+          </a:p>
+          <a:p>
+            <a:r>
+              <a:rPr lang="en-US" sz="2400" dirty="0"/>
+              <a:t>	branch   v1.0</a:t>
+            </a:r>
+          </a:p>
+          <a:p>
+            <a:r>
+              <a:rPr lang="en-US" sz="2400" dirty="0"/>
+              <a:t>	key      /home/user/.</a:t>
+            </a:r>
+            <a:r>
+              <a:rPr lang="en-US" sz="2400" dirty="0" err="1"/>
+              <a:t>ssh</a:t>
+            </a:r>
+            <a:r>
+              <a:rPr lang="en-US" sz="2400" dirty="0"/>
+              <a:t>/</a:t>
+            </a:r>
+            <a:r>
+              <a:rPr lang="en-US" sz="2400" dirty="0" err="1"/>
+              <a:t>id_rsa</a:t>
+            </a:r>
+            <a:endParaRPr lang="en-US" sz="2400" dirty="0"/>
+          </a:p>
+          <a:p>
+            <a:r>
+              <a:rPr lang="en-US" sz="2400" dirty="0"/>
+              <a:t>	path     subfolder</a:t>
+            </a:r>
+          </a:p>
+          <a:p>
+            <a:r>
+              <a:rPr lang="en-US" sz="2400" dirty="0"/>
+              <a:t>	interval 86400</a:t>
+            </a:r>
+          </a:p>
+          <a:p>
+            <a:r>
+              <a:rPr lang="en-US" sz="2400" dirty="0"/>
               <a:t>}</a:t>
             </a:r>
-            <a:endParaRPr lang="en-US" sz="2800" dirty="0">
-              <a:latin typeface="Calibri" charset="0"/>
-              <a:ea typeface="Calibri" charset="0"/>
-              <a:cs typeface="Times New Roman" charset="0"/>
-            </a:endParaRPr>
-          </a:p>
-          <a:p>
-            <a:r>
-              <a:rPr lang="en-US" sz="2800" dirty="0">
-                <a:latin typeface="Times New Roman" charset="0"/>
-                <a:ea typeface="Calibri" charset="0"/>
-              </a:rPr>
-              <a:t>Generate a static site with </a:t>
-            </a:r>
-            <a:r>
-              <a:rPr lang="en-US" sz="2800" u="sng" dirty="0">
-                <a:solidFill>
-                  <a:srgbClr val="0000FF"/>
-                </a:solidFill>
-                <a:latin typeface="Times New Roman" charset="0"/>
-                <a:ea typeface="Calibri" charset="0"/>
-                <a:hlinkClick r:id="rId2"/>
-              </a:rPr>
-              <a:t>Hugo</a:t>
-            </a:r>
-            <a:r>
-              <a:rPr lang="en-US" sz="2800" dirty="0">
-                <a:latin typeface="Times New Roman" charset="0"/>
-                <a:ea typeface="Calibri" charset="0"/>
-              </a:rPr>
-              <a:t> after each pull: </a:t>
-            </a:r>
-          </a:p>
-          <a:p>
-            <a:pPr>
-              <a:spcAft>
-                <a:spcPts val="0"/>
-              </a:spcAft>
-            </a:pPr>
-            <a:r>
-              <a:rPr lang="en-US" dirty="0" err="1">
-                <a:latin typeface="Courier New" charset="0"/>
-                <a:ea typeface="Calibri" charset="0"/>
-                <a:cs typeface="Times New Roman" charset="0"/>
-              </a:rPr>
-              <a:t>git</a:t>
-            </a:r>
-            <a:r>
-              <a:rPr lang="en-US" dirty="0">
-                <a:latin typeface="Courier New" charset="0"/>
-                <a:ea typeface="Calibri" charset="0"/>
-                <a:cs typeface="Times New Roman" charset="0"/>
-              </a:rPr>
-              <a:t> </a:t>
-            </a:r>
-            <a:r>
-              <a:rPr lang="en-US" dirty="0" err="1">
-                <a:latin typeface="Courier New" charset="0"/>
-                <a:ea typeface="Calibri" charset="0"/>
-                <a:cs typeface="Times New Roman" charset="0"/>
-              </a:rPr>
-              <a:t>github.com</a:t>
-            </a:r>
-            <a:r>
-              <a:rPr lang="en-US" dirty="0">
-                <a:latin typeface="Courier New" charset="0"/>
-                <a:ea typeface="Calibri" charset="0"/>
-                <a:cs typeface="Times New Roman" charset="0"/>
-              </a:rPr>
-              <a:t>/user/site {</a:t>
-            </a:r>
-            <a:endParaRPr lang="en-US" sz="2800" dirty="0">
-              <a:latin typeface="Calibri" charset="0"/>
-              <a:ea typeface="Calibri" charset="0"/>
-              <a:cs typeface="Times New Roman" charset="0"/>
-            </a:endParaRPr>
-          </a:p>
-          <a:p>
-            <a:pPr>
-              <a:spcAft>
-                <a:spcPts val="0"/>
-              </a:spcAft>
-            </a:pPr>
-            <a:r>
-              <a:rPr lang="en-US" dirty="0">
-                <a:latin typeface="Courier New" charset="0"/>
-                <a:ea typeface="Calibri" charset="0"/>
-                <a:cs typeface="Times New Roman" charset="0"/>
-              </a:rPr>
-              <a:t>	path  ../</a:t>
-            </a:r>
-            <a:endParaRPr lang="en-US" sz="2800" dirty="0">
-              <a:latin typeface="Calibri" charset="0"/>
-              <a:ea typeface="Calibri" charset="0"/>
-              <a:cs typeface="Times New Roman" charset="0"/>
-            </a:endParaRPr>
-          </a:p>
-          <a:p>
-            <a:pPr>
-              <a:spcAft>
-                <a:spcPts val="0"/>
-              </a:spcAft>
-            </a:pPr>
-            <a:r>
-              <a:rPr lang="en-US" dirty="0">
-                <a:latin typeface="Courier New" charset="0"/>
-                <a:ea typeface="Calibri" charset="0"/>
-                <a:cs typeface="Times New Roman" charset="0"/>
-              </a:rPr>
-              <a:t>	then  </a:t>
-            </a:r>
-            <a:r>
-              <a:rPr lang="en-US" dirty="0" err="1">
-                <a:latin typeface="Courier New" charset="0"/>
-                <a:ea typeface="Calibri" charset="0"/>
-                <a:cs typeface="Times New Roman" charset="0"/>
-              </a:rPr>
-              <a:t>hugo</a:t>
-            </a:r>
-            <a:r>
-              <a:rPr lang="en-US" dirty="0">
-                <a:latin typeface="Courier New" charset="0"/>
-                <a:ea typeface="Calibri" charset="0"/>
-                <a:cs typeface="Times New Roman" charset="0"/>
-              </a:rPr>
-              <a:t> --destination=/home/user/</a:t>
-            </a:r>
-            <a:r>
-              <a:rPr lang="en-US" dirty="0" err="1">
-                <a:latin typeface="Courier New" charset="0"/>
-                <a:ea typeface="Calibri" charset="0"/>
-                <a:cs typeface="Times New Roman" charset="0"/>
-              </a:rPr>
-              <a:t>hugosite</a:t>
-            </a:r>
-            <a:r>
-              <a:rPr lang="en-US" dirty="0">
-                <a:latin typeface="Courier New" charset="0"/>
-                <a:ea typeface="Calibri" charset="0"/>
-                <a:cs typeface="Times New Roman" charset="0"/>
-              </a:rPr>
-              <a:t>/public</a:t>
-            </a:r>
-            <a:endParaRPr lang="en-US" sz="2800" dirty="0">
-              <a:latin typeface="Calibri" charset="0"/>
-              <a:ea typeface="Calibri" charset="0"/>
-              <a:cs typeface="Times New Roman" charset="0"/>
-            </a:endParaRPr>
-          </a:p>
-          <a:p>
-            <a:pPr>
-              <a:spcAft>
-                <a:spcPts val="0"/>
-              </a:spcAft>
-            </a:pPr>
-            <a:r>
-              <a:rPr lang="en-US" dirty="0">
-                <a:latin typeface="Courier New" charset="0"/>
-                <a:ea typeface="Calibri" charset="0"/>
-                <a:cs typeface="Times New Roman" charset="0"/>
-              </a:rPr>
-              <a:t>}</a:t>
-            </a:r>
-            <a:endParaRPr lang="en-US" sz="2800" dirty="0">
-              <a:effectLst/>
-              <a:latin typeface="Calibri" charset="0"/>
-              <a:ea typeface="Calibri" charset="0"/>
-              <a:cs typeface="Times New Roman" charset="0"/>
-            </a:endParaRPr>
           </a:p>
         </p:txBody>
       </p:sp>
@@ -10405,6 +10290,13 @@
   <p:clrMapOvr>
     <a:masterClrMapping/>
   </p:clrMapOvr>
+  <p:timing>
+    <p:tnLst>
+      <p:par>
+        <p:cTn id="1" dur="indefinite" restart="never" nodeType="tmRoot"/>
+      </p:par>
+    </p:tnLst>
+  </p:timing>
 </p:sld>
 </file>
 
@@ -10531,6 +10423,13 @@
   <p:clrMapOvr>
     <a:masterClrMapping/>
   </p:clrMapOvr>
+  <p:timing>
+    <p:tnLst>
+      <p:par>
+        <p:cTn id="1" dur="indefinite" restart="never" nodeType="tmRoot"/>
+      </p:par>
+    </p:tnLst>
+  </p:timing>
 </p:sld>
 </file>
 
@@ -11483,6 +11382,13 @@
   <p:clrMapOvr>
     <a:masterClrMapping/>
   </p:clrMapOvr>
+  <p:timing>
+    <p:tnLst>
+      <p:par>
+        <p:cTn id="1" dur="indefinite" restart="never" nodeType="tmRoot"/>
+      </p:par>
+    </p:tnLst>
+  </p:timing>
 </p:sld>
 </file>
 
@@ -12443,6 +12349,13 @@
   <p:clrMapOvr>
     <a:masterClrMapping/>
   </p:clrMapOvr>
+  <p:timing>
+    <p:tnLst>
+      <p:par>
+        <p:cTn id="1" dur="indefinite" restart="never" nodeType="tmRoot"/>
+      </p:par>
+    </p:tnLst>
+  </p:timing>
 </p:sld>
 </file>
 
@@ -12494,14 +12407,14 @@
       </p:sp>
       <p:sp>
         <p:nvSpPr>
-          <p:cNvPr id="3" name="Rectangle 2"/>
+          <p:cNvPr id="5" name="Rectangle 4"/>
           <p:cNvSpPr/>
           <p:nvPr/>
         </p:nvSpPr>
         <p:spPr>
           <a:xfrm>
-            <a:off x="404190" y="1095538"/>
-            <a:ext cx="6096000" cy="2031325"/>
+            <a:off x="404190" y="1305342"/>
+            <a:ext cx="6096000" cy="4247317"/>
           </a:xfrm>
           <a:prstGeom prst="rect">
             <a:avLst/>
@@ -12519,12 +12432,28 @@
               </a:spcAft>
             </a:pPr>
             <a:r>
+              <a:rPr lang="en-US">
+                <a:latin typeface="Calibri" charset="0"/>
+                <a:ea typeface="Calibri" charset="0"/>
+                <a:cs typeface="Times New Roman" charset="0"/>
+              </a:rPr>
+              <a:t>log / </a:t>
+            </a:r>
+            <a:r>
+              <a:rPr lang="en-US" dirty="0" err="1">
+                <a:latin typeface="Calibri" charset="0"/>
+                <a:ea typeface="Calibri" charset="0"/>
+                <a:cs typeface="Times New Roman" charset="0"/>
+              </a:rPr>
+              <a:t>access.log</a:t>
+            </a:r>
+            <a:r>
               <a:rPr lang="en-US" dirty="0">
                 <a:latin typeface="Calibri" charset="0"/>
                 <a:ea typeface="Calibri" charset="0"/>
                 <a:cs typeface="Times New Roman" charset="0"/>
               </a:rPr>
-              <a:t>log ... {</a:t>
+              <a:t> {</a:t>
             </a:r>
           </a:p>
           <a:p>
@@ -12539,7 +12468,7 @@
                 <a:ea typeface="Calibri" charset="0"/>
                 <a:cs typeface="Times New Roman" charset="0"/>
               </a:rPr>
-              <a:t>    rotate {</a:t>
+              <a:t>	rotate {</a:t>
             </a:r>
           </a:p>
           <a:p>
@@ -12554,21 +12483,8 @@
                 <a:ea typeface="Calibri" charset="0"/>
                 <a:cs typeface="Times New Roman" charset="0"/>
               </a:rPr>
-              <a:t>		size </a:t>
-            </a:r>
-            <a:r>
-              <a:rPr lang="en-US" dirty="0" err="1">
-                <a:latin typeface="Calibri" charset="0"/>
-                <a:ea typeface="Calibri" charset="0"/>
-                <a:cs typeface="Times New Roman" charset="0"/>
-              </a:rPr>
-              <a:t>maxsize</a:t>
-            </a:r>
-            <a:endParaRPr lang="en-US" dirty="0">
-              <a:latin typeface="Calibri" charset="0"/>
-              <a:ea typeface="Calibri" charset="0"/>
-              <a:cs typeface="Times New Roman" charset="0"/>
-            </a:endParaRPr>
+              <a:t>		size 100 # Rotate after 100 MB</a:t>
+            </a:r>
           </a:p>
           <a:p>
             <a:pPr>
@@ -12582,21 +12498,8 @@
                 <a:ea typeface="Calibri" charset="0"/>
                 <a:cs typeface="Times New Roman" charset="0"/>
               </a:rPr>
-              <a:t>		age  </a:t>
-            </a:r>
-            <a:r>
-              <a:rPr lang="en-US" dirty="0" err="1">
-                <a:latin typeface="Calibri" charset="0"/>
-                <a:ea typeface="Calibri" charset="0"/>
-                <a:cs typeface="Times New Roman" charset="0"/>
-              </a:rPr>
-              <a:t>maxage</a:t>
-            </a:r>
-            <a:endParaRPr lang="en-US" dirty="0">
-              <a:latin typeface="Calibri" charset="0"/>
-              <a:ea typeface="Calibri" charset="0"/>
-              <a:cs typeface="Times New Roman" charset="0"/>
-            </a:endParaRPr>
+              <a:t>		age  14  # Keep log files for 14 days</a:t>
+            </a:r>
           </a:p>
           <a:p>
             <a:pPr>
@@ -12610,7 +12513,82 @@
                 <a:ea typeface="Calibri" charset="0"/>
                 <a:cs typeface="Times New Roman" charset="0"/>
               </a:rPr>
-              <a:t>		keep </a:t>
+              <a:t>		keep 10  # Keep at most 10 log files</a:t>
+            </a:r>
+          </a:p>
+          <a:p>
+            <a:pPr>
+              <a:spcAft>
+                <a:spcPts val="0"/>
+              </a:spcAft>
+            </a:pPr>
+            <a:r>
+              <a:rPr lang="en-US" dirty="0">
+                <a:latin typeface="Calibri" charset="0"/>
+                <a:ea typeface="Calibri" charset="0"/>
+                <a:cs typeface="Times New Roman" charset="0"/>
+              </a:rPr>
+              <a:t>	}</a:t>
+            </a:r>
+          </a:p>
+          <a:p>
+            <a:pPr>
+              <a:spcAft>
+                <a:spcPts val="0"/>
+              </a:spcAft>
+            </a:pPr>
+            <a:r>
+              <a:rPr lang="en-US" dirty="0">
+                <a:latin typeface="Calibri" charset="0"/>
+                <a:ea typeface="Calibri" charset="0"/>
+                <a:cs typeface="Times New Roman" charset="0"/>
+              </a:rPr>
+              <a:t>}</a:t>
+            </a:r>
+          </a:p>
+          <a:p>
+            <a:pPr>
+              <a:spcAft>
+                <a:spcPts val="0"/>
+              </a:spcAft>
+            </a:pPr>
+            <a:r>
+              <a:rPr lang="en-US" dirty="0">
+                <a:latin typeface="Calibri" charset="0"/>
+                <a:ea typeface="Calibri" charset="0"/>
+                <a:cs typeface="Times New Roman" charset="0"/>
+              </a:rPr>
+              <a:t> </a:t>
+            </a:r>
+          </a:p>
+          <a:p>
+            <a:pPr>
+              <a:spcAft>
+                <a:spcPts val="0"/>
+              </a:spcAft>
+            </a:pPr>
+            <a:r>
+              <a:rPr lang="en-US" dirty="0">
+                <a:latin typeface="Calibri" charset="0"/>
+                <a:ea typeface="Calibri" charset="0"/>
+                <a:cs typeface="Times New Roman" charset="0"/>
+              </a:rPr>
+              <a:t>errors {</a:t>
+            </a:r>
+          </a:p>
+          <a:p>
+            <a:pPr>
+              <a:spcAft>
+                <a:spcPts val="0"/>
+              </a:spcAft>
+            </a:pPr>
+            <a:r>
+              <a:rPr lang="en-US" dirty="0">
+                <a:latin typeface="Calibri" charset="0"/>
+                <a:ea typeface="Calibri" charset="0"/>
+                <a:cs typeface="Times New Roman" charset="0"/>
+              </a:rPr>
+              <a:t>	log / </a:t>
             </a:r>
             <a:r>
               <a:rPr lang="en-US" dirty="0" err="1">
@@ -12618,13 +12596,61 @@
                 <a:ea typeface="Calibri" charset="0"/>
                 <a:cs typeface="Times New Roman" charset="0"/>
               </a:rPr>
-              <a:t>maxkeep</a:t>
-            </a:r>
-            <a:endParaRPr lang="en-US" dirty="0">
-              <a:latin typeface="Calibri" charset="0"/>
-              <a:ea typeface="Calibri" charset="0"/>
-              <a:cs typeface="Times New Roman" charset="0"/>
-            </a:endParaRPr>
+              <a:t>error.log</a:t>
+            </a:r>
+            <a:r>
+              <a:rPr lang="en-US" dirty="0">
+                <a:latin typeface="Calibri" charset="0"/>
+                <a:ea typeface="Calibri" charset="0"/>
+                <a:cs typeface="Times New Roman" charset="0"/>
+              </a:rPr>
+              <a:t> {</a:t>
+            </a:r>
+          </a:p>
+          <a:p>
+            <a:pPr>
+              <a:spcAft>
+                <a:spcPts val="0"/>
+              </a:spcAft>
+            </a:pPr>
+            <a:r>
+              <a:rPr lang="en-US" dirty="0">
+                <a:latin typeface="Calibri" charset="0"/>
+                <a:ea typeface="Calibri" charset="0"/>
+                <a:cs typeface="Times New Roman" charset="0"/>
+              </a:rPr>
+              <a:t>		size 50 # Rotate after 50 MB</a:t>
+            </a:r>
+          </a:p>
+          <a:p>
+            <a:pPr>
+              <a:spcAft>
+                <a:spcPts val="0"/>
+              </a:spcAft>
+            </a:pPr>
+            <a:r>
+              <a:rPr lang="en-US" dirty="0">
+                <a:latin typeface="Calibri" charset="0"/>
+                <a:ea typeface="Calibri" charset="0"/>
+                <a:cs typeface="Times New Roman" charset="0"/>
+              </a:rPr>
+              <a:t>		age  30 # Keep rotated files for 30 days</a:t>
+            </a:r>
+          </a:p>
+          <a:p>
+            <a:pPr>
+              <a:spcAft>
+                <a:spcPts val="0"/>
+              </a:spcAft>
+            </a:pPr>
+            <a:r>
+              <a:rPr lang="en-US" dirty="0">
+                <a:latin typeface="Calibri" charset="0"/>
+                <a:ea typeface="Calibri" charset="0"/>
+                <a:cs typeface="Times New Roman" charset="0"/>
+              </a:rPr>
+              <a:t>		keep 5  # Keep at most 5 log files</a:t>
+            </a:r>
           </a:p>
           <a:p>
             <a:pPr>
@@ -12674,6 +12700,80 @@
   <p:clrMapOvr>
     <a:masterClrMapping/>
   </p:clrMapOvr>
+  <p:timing>
+    <p:tnLst>
+      <p:par>
+        <p:cTn id="1" dur="indefinite" restart="never" nodeType="tmRoot"/>
+      </p:par>
+    </p:tnLst>
+  </p:timing>
+</p:sld>
+</file>
+
+<file path=ppt/slides/slide15.xml><?xml version="1.0" encoding="utf-8"?>
+<p:sld xmlns:a="http://schemas.openxmlformats.org/drawingml/2006/main" xmlns:r="http://schemas.openxmlformats.org/officeDocument/2006/relationships" xmlns:p="http://schemas.openxmlformats.org/presentationml/2006/main">
+  <p:cSld>
+    <p:spTree>
+      <p:nvGrpSpPr>
+        <p:cNvPr id="1" name=""/>
+        <p:cNvGrpSpPr/>
+        <p:nvPr/>
+      </p:nvGrpSpPr>
+      <p:grpSpPr>
+        <a:xfrm>
+          <a:off x="0" y="0"/>
+          <a:ext cx="0" cy="0"/>
+          <a:chOff x="0" y="0"/>
+          <a:chExt cx="0" cy="0"/>
+        </a:xfrm>
+      </p:grpSpPr>
+      <p:pic>
+        <p:nvPicPr>
+          <p:cNvPr id="2" name="Picture 1"/>
+          <p:cNvPicPr>
+            <a:picLocks noChangeAspect="1"/>
+          </p:cNvPicPr>
+          <p:nvPr/>
+        </p:nvPicPr>
+        <p:blipFill>
+          <a:blip r:embed="rId2">
+            <a:extLst>
+              <a:ext uri="{28A0092B-C50C-407E-A947-70E740481C1C}">
+                <a14:useLocalDpi xmlns:a14="http://schemas.microsoft.com/office/drawing/2010/main" val="0"/>
+              </a:ext>
+            </a:extLst>
+          </a:blip>
+          <a:stretch>
+            <a:fillRect/>
+          </a:stretch>
+        </p:blipFill>
+        <p:spPr>
+          <a:xfrm>
+            <a:off x="0" y="495300"/>
+            <a:ext cx="12192000" cy="5862320"/>
+          </a:xfrm>
+          <a:prstGeom prst="rect">
+            <a:avLst/>
+          </a:prstGeom>
+        </p:spPr>
+      </p:pic>
+    </p:spTree>
+    <p:extLst>
+      <p:ext uri="{BB962C8B-B14F-4D97-AF65-F5344CB8AC3E}">
+        <p14:creationId xmlns:p14="http://schemas.microsoft.com/office/powerpoint/2010/main" val="39538488"/>
+      </p:ext>
+    </p:extLst>
+  </p:cSld>
+  <p:clrMapOvr>
+    <a:masterClrMapping/>
+  </p:clrMapOvr>
+  <p:timing>
+    <p:tnLst>
+      <p:par>
+        <p:cTn id="1" dur="indefinite" restart="never" nodeType="tmRoot"/>
+      </p:par>
+    </p:tnLst>
+  </p:timing>
 </p:sld>
 </file>
 
@@ -12732,22 +12832,11 @@
             </a:pPr>
             <a:r>
               <a:rPr lang="en-US" sz="3200" dirty="0" smtClean="0"/>
-              <a:t>What is different between Caddy vs </a:t>
-            </a:r>
-            <a:r>
-              <a:rPr lang="en-US" sz="3200" dirty="0" err="1" smtClean="0"/>
-              <a:t>Nginx</a:t>
-            </a:r>
-            <a:endParaRPr lang="en-US" sz="3200" dirty="0" smtClean="0"/>
-          </a:p>
-          <a:p>
-            <a:pPr marL="457200" indent="-457200" algn="just">
-              <a:buFont typeface="+mj-lt"/>
-              <a:buAutoNum type="arabicPeriod"/>
-            </a:pPr>
+              <a:t>Getting </a:t>
+            </a:r>
             <a:r>
               <a:rPr lang="en-US" sz="3200" dirty="0" smtClean="0"/>
-              <a:t>Getting Started</a:t>
+              <a:t>Started</a:t>
             </a:r>
           </a:p>
           <a:p>
@@ -12819,6 +12908,13 @@
   <p:clrMapOvr>
     <a:masterClrMapping/>
   </p:clrMapOvr>
+  <p:timing>
+    <p:tnLst>
+      <p:par>
+        <p:cTn id="1" dur="indefinite" restart="never" nodeType="tmRoot"/>
+      </p:par>
+    </p:tnLst>
+  </p:timing>
 </p:sld>
 </file>
 
@@ -12981,6 +13077,13 @@
   <p:clrMapOvr>
     <a:masterClrMapping/>
   </p:clrMapOvr>
+  <p:timing>
+    <p:tnLst>
+      <p:par>
+        <p:cTn id="1" dur="indefinite" restart="never" nodeType="tmRoot"/>
+      </p:par>
+    </p:tnLst>
+  </p:timing>
 </p:sld>
 </file>
 
@@ -13773,6 +13876,13 @@
   <p:clrMapOvr>
     <a:masterClrMapping/>
   </p:clrMapOvr>
+  <p:timing>
+    <p:tnLst>
+      <p:par>
+        <p:cTn id="1" dur="indefinite" restart="never" nodeType="tmRoot"/>
+      </p:par>
+    </p:tnLst>
+  </p:timing>
 </p:sld>
 </file>
 
@@ -13963,6 +14073,13 @@
   <p:clrMapOvr>
     <a:masterClrMapping/>
   </p:clrMapOvr>
+  <p:timing>
+    <p:tnLst>
+      <p:par>
+        <p:cTn id="1" dur="indefinite" restart="never" nodeType="tmRoot"/>
+      </p:par>
+    </p:tnLst>
+  </p:timing>
 </p:sld>
 </file>
 
@@ -14266,7 +14383,6 @@
               <a:rPr lang="en-US" sz="2400" dirty="0"/>
               <a:t>}}</a:t>
             </a:r>
-            <a:endParaRPr lang="en-US" sz="2400" dirty="0"/>
           </a:p>
         </p:txBody>
       </p:sp>
@@ -14280,6 +14396,13 @@
   <p:clrMapOvr>
     <a:masterClrMapping/>
   </p:clrMapOvr>
+  <p:timing>
+    <p:tnLst>
+      <p:par>
+        <p:cTn id="1" dur="indefinite" restart="never" nodeType="tmRoot"/>
+      </p:par>
+    </p:tnLst>
+  </p:timing>
 </p:sld>
 </file>
 
@@ -14468,6 +14591,13 @@
   <p:clrMapOvr>
     <a:masterClrMapping/>
   </p:clrMapOvr>
+  <p:timing>
+    <p:tnLst>
+      <p:par>
+        <p:cTn id="1" dur="indefinite" restart="never" nodeType="tmRoot"/>
+      </p:par>
+    </p:tnLst>
+  </p:timing>
 </p:sld>
 </file>
 
@@ -14857,6 +14987,13 @@
   <p:clrMapOvr>
     <a:masterClrMapping/>
   </p:clrMapOvr>
+  <p:timing>
+    <p:tnLst>
+      <p:par>
+        <p:cTn id="1" dur="indefinite" restart="never" nodeType="tmRoot"/>
+      </p:par>
+    </p:tnLst>
+  </p:timing>
 </p:sld>
 </file>
 
@@ -14886,7 +15023,7 @@
         <p:spPr>
           <a:xfrm>
             <a:off x="404190" y="264541"/>
-            <a:ext cx="11642035" cy="830997"/>
+            <a:ext cx="4444901" cy="830997"/>
           </a:xfrm>
           <a:prstGeom prst="rect">
             <a:avLst/>
@@ -14915,7 +15052,7 @@
         <p:spPr>
           <a:xfrm>
             <a:off x="404190" y="1095538"/>
-            <a:ext cx="6096000" cy="2031325"/>
+            <a:ext cx="6096000" cy="2000548"/>
           </a:xfrm>
           <a:prstGeom prst="rect">
             <a:avLst/>
@@ -14933,7 +15070,7 @@
               </a:spcAft>
             </a:pPr>
             <a:r>
-              <a:rPr lang="en-US" dirty="0" err="1">
+              <a:rPr lang="en-US" sz="2000" dirty="0" err="1">
                 <a:latin typeface="Courier New" charset="0"/>
                 <a:ea typeface="Calibri" charset="0"/>
                 <a:cs typeface="Times New Roman" charset="0"/>
@@ -14941,14 +15078,14 @@
               <a:t>basicauth</a:t>
             </a:r>
             <a:r>
-              <a:rPr lang="en-US" dirty="0">
+              <a:rPr lang="en-US" sz="2000" dirty="0">
                 <a:latin typeface="Courier New" charset="0"/>
                 <a:ea typeface="Calibri" charset="0"/>
                 <a:cs typeface="Times New Roman" charset="0"/>
               </a:rPr>
               <a:t> /secret Bob hiccup</a:t>
             </a:r>
-            <a:endParaRPr lang="en-US" sz="2800" dirty="0">
+            <a:endParaRPr lang="en-US" sz="3200" dirty="0">
               <a:latin typeface="Calibri" charset="0"/>
               <a:ea typeface="Calibri" charset="0"/>
               <a:cs typeface="Times New Roman" charset="0"/>
@@ -14961,14 +15098,14 @@
               </a:spcAft>
             </a:pPr>
             <a:r>
-              <a:rPr lang="en-US" dirty="0">
+              <a:rPr lang="en-US" sz="2000" dirty="0">
                 <a:latin typeface="Courier New" charset="0"/>
                 <a:ea typeface="Calibri" charset="0"/>
                 <a:cs typeface="Times New Roman" charset="0"/>
               </a:rPr>
               <a:t> </a:t>
             </a:r>
-            <a:endParaRPr lang="en-US" sz="2800" dirty="0">
+            <a:endParaRPr lang="en-US" sz="3200" dirty="0">
               <a:latin typeface="Calibri" charset="0"/>
               <a:ea typeface="Calibri" charset="0"/>
               <a:cs typeface="Times New Roman" charset="0"/>
@@ -14981,7 +15118,7 @@
               </a:spcAft>
             </a:pPr>
             <a:r>
-              <a:rPr lang="en-US" dirty="0" err="1">
+              <a:rPr lang="en-US" sz="2000" dirty="0" err="1">
                 <a:latin typeface="Courier New" charset="0"/>
                 <a:ea typeface="Calibri" charset="0"/>
                 <a:cs typeface="Times New Roman" charset="0"/>
@@ -14989,14 +15126,14 @@
               <a:t>basicauth</a:t>
             </a:r>
             <a:r>
-              <a:rPr lang="en-US" dirty="0">
+              <a:rPr lang="en-US" sz="2000" dirty="0">
                 <a:latin typeface="Courier New" charset="0"/>
                 <a:ea typeface="Calibri" charset="0"/>
                 <a:cs typeface="Times New Roman" charset="0"/>
               </a:rPr>
               <a:t> "Mary Lou" milkshakes {</a:t>
             </a:r>
-            <a:endParaRPr lang="en-US" sz="2800" dirty="0">
+            <a:endParaRPr lang="en-US" sz="3200" dirty="0">
               <a:latin typeface="Calibri" charset="0"/>
               <a:ea typeface="Calibri" charset="0"/>
               <a:cs typeface="Times New Roman" charset="0"/>
@@ -15009,38 +15146,30 @@
               </a:spcAft>
             </a:pPr>
             <a:r>
-              <a:rPr lang="en-US" dirty="0">
+              <a:rPr lang="en-US" sz="2000" dirty="0" smtClean="0">
                 <a:latin typeface="Courier New" charset="0"/>
                 <a:ea typeface="Calibri" charset="0"/>
                 <a:cs typeface="Times New Roman" charset="0"/>
               </a:rPr>
-              <a:t>    /notes-for-</a:t>
-            </a:r>
-            <a:r>
-              <a:rPr lang="en-US" dirty="0" err="1">
+              <a:t>	/</a:t>
+            </a:r>
+            <a:r>
+              <a:rPr lang="en-US" sz="2000" dirty="0" err="1">
                 <a:latin typeface="Courier New" charset="0"/>
                 <a:ea typeface="Calibri" charset="0"/>
                 <a:cs typeface="Times New Roman" charset="0"/>
               </a:rPr>
-              <a:t>mary</a:t>
-            </a:r>
-            <a:r>
-              <a:rPr lang="en-US" dirty="0">
+              <a:t>marylou</a:t>
+            </a:r>
+            <a:r>
+              <a:rPr lang="en-US" sz="2000" dirty="0">
                 <a:latin typeface="Courier New" charset="0"/>
                 <a:ea typeface="Calibri" charset="0"/>
                 <a:cs typeface="Times New Roman" charset="0"/>
               </a:rPr>
-              <a:t>-</a:t>
-            </a:r>
-            <a:r>
-              <a:rPr lang="en-US" dirty="0" err="1">
-                <a:latin typeface="Courier New" charset="0"/>
-                <a:ea typeface="Calibri" charset="0"/>
-                <a:cs typeface="Times New Roman" charset="0"/>
-              </a:rPr>
-              <a:t>lou.txt</a:t>
-            </a:r>
-            <a:endParaRPr lang="en-US" sz="2800" dirty="0">
+              <a:t>-files</a:t>
+            </a:r>
+            <a:endParaRPr lang="en-US" sz="3200" dirty="0">
               <a:latin typeface="Calibri" charset="0"/>
               <a:ea typeface="Calibri" charset="0"/>
               <a:cs typeface="Times New Roman" charset="0"/>
@@ -15053,30 +15182,38 @@
               </a:spcAft>
             </a:pPr>
             <a:r>
-              <a:rPr lang="en-US" dirty="0">
+              <a:rPr lang="en-US" sz="2000" dirty="0">
                 <a:latin typeface="Courier New" charset="0"/>
                 <a:ea typeface="Calibri" charset="0"/>
                 <a:cs typeface="Times New Roman" charset="0"/>
               </a:rPr>
-              <a:t>    /</a:t>
-            </a:r>
-            <a:r>
-              <a:rPr lang="en-US" dirty="0" err="1">
+              <a:t>  </a:t>
+            </a:r>
+            <a:r>
+              <a:rPr lang="en-US" sz="2000" dirty="0" smtClean="0">
                 <a:latin typeface="Courier New" charset="0"/>
                 <a:ea typeface="Calibri" charset="0"/>
                 <a:cs typeface="Times New Roman" charset="0"/>
               </a:rPr>
-              <a:t>marylou</a:t>
-            </a:r>
-            <a:r>
-              <a:rPr lang="en-US" dirty="0">
+              <a:t>/</a:t>
+            </a:r>
+            <a:r>
+              <a:rPr lang="en-US" sz="2000" dirty="0">
                 <a:latin typeface="Courier New" charset="0"/>
                 <a:ea typeface="Calibri" charset="0"/>
                 <a:cs typeface="Times New Roman" charset="0"/>
               </a:rPr>
-              <a:t>-files</a:t>
-            </a:r>
-            <a:endParaRPr lang="en-US" sz="2800" dirty="0">
+              <a:t>another-</a:t>
+            </a:r>
+            <a:r>
+              <a:rPr lang="en-US" sz="2000" dirty="0" err="1">
+                <a:latin typeface="Courier New" charset="0"/>
+                <a:ea typeface="Calibri" charset="0"/>
+                <a:cs typeface="Times New Roman" charset="0"/>
+              </a:rPr>
+              <a:t>file.txt</a:t>
+            </a:r>
+            <a:endParaRPr lang="en-US" sz="3200" dirty="0">
               <a:latin typeface="Calibri" charset="0"/>
               <a:ea typeface="Calibri" charset="0"/>
               <a:cs typeface="Times New Roman" charset="0"/>
@@ -15089,27 +15226,167 @@
               </a:spcAft>
             </a:pPr>
             <a:r>
-              <a:rPr lang="en-US" dirty="0">
+              <a:rPr lang="en-US" sz="2000" dirty="0">
                 <a:latin typeface="Courier New" charset="0"/>
                 <a:ea typeface="Calibri" charset="0"/>
                 <a:cs typeface="Times New Roman" charset="0"/>
               </a:rPr>
-              <a:t>    /another-</a:t>
-            </a:r>
-            <a:r>
-              <a:rPr lang="en-US" dirty="0" err="1">
-                <a:latin typeface="Courier New" charset="0"/>
-                <a:ea typeface="Calibri" charset="0"/>
-                <a:cs typeface="Times New Roman" charset="0"/>
-              </a:rPr>
-              <a:t>file.txt</a:t>
-            </a:r>
-            <a:endParaRPr lang="en-US" sz="2800" dirty="0">
+              <a:t>}</a:t>
+            </a:r>
+            <a:endParaRPr lang="en-US" sz="3200" dirty="0">
+              <a:effectLst/>
               <a:latin typeface="Calibri" charset="0"/>
               <a:ea typeface="Calibri" charset="0"/>
               <a:cs typeface="Times New Roman" charset="0"/>
             </a:endParaRPr>
           </a:p>
+        </p:txBody>
+      </p:sp>
+      <p:sp>
+        <p:nvSpPr>
+          <p:cNvPr id="5" name="Rectangle 4"/>
+          <p:cNvSpPr/>
+          <p:nvPr/>
+        </p:nvSpPr>
+        <p:spPr>
+          <a:xfrm>
+            <a:off x="404190" y="3096086"/>
+            <a:ext cx="4444901" cy="830997"/>
+          </a:xfrm>
+          <a:prstGeom prst="rect">
+            <a:avLst/>
+          </a:prstGeom>
+        </p:spPr>
+        <p:txBody>
+          <a:bodyPr wrap="square">
+            <a:spAutoFit/>
+          </a:bodyPr>
+          <a:lstStyle/>
+          <a:p>
+            <a:r>
+              <a:rPr lang="en-US" sz="4800" b="1" dirty="0" smtClean="0"/>
+              <a:t>Rewrite</a:t>
+            </a:r>
+            <a:endParaRPr lang="en-US" sz="2800" b="1" dirty="0"/>
+          </a:p>
+        </p:txBody>
+      </p:sp>
+      <p:sp>
+        <p:nvSpPr>
+          <p:cNvPr id="6" name="Rectangle 5"/>
+          <p:cNvSpPr/>
+          <p:nvPr/>
+        </p:nvSpPr>
+        <p:spPr>
+          <a:xfrm>
+            <a:off x="404190" y="3906816"/>
+            <a:ext cx="6096000" cy="2246769"/>
+          </a:xfrm>
+          <a:prstGeom prst="rect">
+            <a:avLst/>
+          </a:prstGeom>
+        </p:spPr>
+        <p:txBody>
+          <a:bodyPr>
+            <a:spAutoFit/>
+          </a:bodyPr>
+          <a:lstStyle/>
+          <a:p>
+            <a:r>
+              <a:rPr lang="en-US" sz="2000" dirty="0"/>
+              <a:t>rewrite [</a:t>
+            </a:r>
+            <a:r>
+              <a:rPr lang="en-US" sz="2000" dirty="0" err="1"/>
+              <a:t>basepath</a:t>
+            </a:r>
+            <a:r>
+              <a:rPr lang="en-US" sz="2000" dirty="0"/>
+              <a:t>] {</a:t>
+            </a:r>
+          </a:p>
+          <a:p>
+            <a:r>
+              <a:rPr lang="en-US" sz="2000" dirty="0"/>
+              <a:t>    </a:t>
+            </a:r>
+            <a:r>
+              <a:rPr lang="en-US" sz="2000" dirty="0" err="1"/>
+              <a:t>regexp</a:t>
+            </a:r>
+            <a:r>
+              <a:rPr lang="en-US" sz="2000" dirty="0"/>
+              <a:t> pattern</a:t>
+            </a:r>
+          </a:p>
+          <a:p>
+            <a:r>
+              <a:rPr lang="en-US" sz="2000" dirty="0"/>
+              <a:t>    </a:t>
+            </a:r>
+            <a:r>
+              <a:rPr lang="en-US" sz="2000" dirty="0" err="1"/>
+              <a:t>ext</a:t>
+            </a:r>
+            <a:r>
+              <a:rPr lang="en-US" sz="2000" dirty="0"/>
+              <a:t>    extensions...</a:t>
+            </a:r>
+          </a:p>
+          <a:p>
+            <a:r>
+              <a:rPr lang="en-US" sz="2000" dirty="0"/>
+              <a:t>    if     a </a:t>
+            </a:r>
+            <a:r>
+              <a:rPr lang="en-US" sz="2000" dirty="0" err="1"/>
+              <a:t>cond</a:t>
+            </a:r>
+            <a:r>
+              <a:rPr lang="en-US" sz="2000" dirty="0"/>
+              <a:t> b</a:t>
+            </a:r>
+          </a:p>
+          <a:p>
+            <a:r>
+              <a:rPr lang="en-US" sz="2000" dirty="0"/>
+              <a:t>    status code</a:t>
+            </a:r>
+          </a:p>
+          <a:p>
+            <a:r>
+              <a:rPr lang="en-US" sz="2000" dirty="0"/>
+              <a:t>    to     destinations...</a:t>
+            </a:r>
+          </a:p>
+          <a:p>
+            <a:r>
+              <a:rPr lang="en-US" sz="2000" dirty="0"/>
+              <a:t>}</a:t>
+            </a:r>
+          </a:p>
+        </p:txBody>
+      </p:sp>
+      <p:sp>
+        <p:nvSpPr>
+          <p:cNvPr id="7" name="Rectangle 6"/>
+          <p:cNvSpPr/>
+          <p:nvPr/>
+        </p:nvSpPr>
+        <p:spPr>
+          <a:xfrm>
+            <a:off x="6500190" y="1095538"/>
+            <a:ext cx="6096000" cy="4154984"/>
+          </a:xfrm>
+          <a:prstGeom prst="rect">
+            <a:avLst/>
+          </a:prstGeom>
+        </p:spPr>
+        <p:txBody>
+          <a:bodyPr>
+            <a:spAutoFit/>
+          </a:bodyPr>
+          <a:lstStyle/>
           <a:p>
             <a:pPr>
               <a:spcAft>
@@ -15117,14 +15394,228 @@
               </a:spcAft>
             </a:pPr>
             <a:r>
-              <a:rPr lang="en-US" dirty="0">
-                <a:latin typeface="Courier New" charset="0"/>
+              <a:rPr lang="en-US" sz="2400" dirty="0" smtClean="0">
+                <a:latin typeface="Calibri" charset="0"/>
+                <a:ea typeface="Calibri" charset="0"/>
+                <a:cs typeface="Times New Roman" charset="0"/>
+              </a:rPr>
+              <a:t>rewrite </a:t>
+            </a:r>
+            <a:r>
+              <a:rPr lang="en-US" sz="2400" dirty="0">
+                <a:latin typeface="Calibri" charset="0"/>
+                <a:ea typeface="Calibri" charset="0"/>
+                <a:cs typeface="Times New Roman" charset="0"/>
+              </a:rPr>
+              <a:t>{</a:t>
+            </a:r>
+          </a:p>
+          <a:p>
+            <a:pPr>
+              <a:spcAft>
+                <a:spcPts val="0"/>
+              </a:spcAft>
+            </a:pPr>
+            <a:r>
+              <a:rPr lang="en-US" sz="2400" dirty="0">
+                <a:latin typeface="Calibri" charset="0"/>
+                <a:ea typeface="Calibri" charset="0"/>
+                <a:cs typeface="Times New Roman" charset="0"/>
+              </a:rPr>
+              <a:t>    if {file} not </a:t>
+            </a:r>
+            <a:r>
+              <a:rPr lang="en-US" sz="2400" dirty="0" err="1">
+                <a:latin typeface="Calibri" charset="0"/>
+                <a:ea typeface="Calibri" charset="0"/>
+                <a:cs typeface="Times New Roman" charset="0"/>
+              </a:rPr>
+              <a:t>favicon.ico</a:t>
+            </a:r>
+            <a:endParaRPr lang="en-US" sz="2400" dirty="0">
+              <a:latin typeface="Calibri" charset="0"/>
+              <a:ea typeface="Calibri" charset="0"/>
+              <a:cs typeface="Times New Roman" charset="0"/>
+            </a:endParaRPr>
+          </a:p>
+          <a:p>
+            <a:pPr>
+              <a:spcAft>
+                <a:spcPts val="0"/>
+              </a:spcAft>
+            </a:pPr>
+            <a:r>
+              <a:rPr lang="en-US" sz="2400" dirty="0">
+                <a:latin typeface="Calibri" charset="0"/>
+                <a:ea typeface="Calibri" charset="0"/>
+                <a:cs typeface="Times New Roman" charset="0"/>
+              </a:rPr>
+              <a:t>    to {path} {path}/ /</a:t>
+            </a:r>
+            <a:r>
+              <a:rPr lang="en-US" sz="2400" dirty="0" err="1">
+                <a:latin typeface="Calibri" charset="0"/>
+                <a:ea typeface="Calibri" charset="0"/>
+                <a:cs typeface="Times New Roman" charset="0"/>
+              </a:rPr>
+              <a:t>maintenance.html</a:t>
+            </a:r>
+            <a:r>
+              <a:rPr lang="en-US" sz="2400" dirty="0">
+                <a:latin typeface="Calibri" charset="0"/>
+                <a:ea typeface="Calibri" charset="0"/>
+                <a:cs typeface="Times New Roman" charset="0"/>
+              </a:rPr>
+              <a:t> /</a:t>
+            </a:r>
+            <a:r>
+              <a:rPr lang="en-US" sz="2400" dirty="0" err="1">
+                <a:latin typeface="Calibri" charset="0"/>
+                <a:ea typeface="Calibri" charset="0"/>
+                <a:cs typeface="Times New Roman" charset="0"/>
+              </a:rPr>
+              <a:t>index.php</a:t>
+            </a:r>
+            <a:endParaRPr lang="en-US" sz="2400" dirty="0">
+              <a:latin typeface="Calibri" charset="0"/>
+              <a:ea typeface="Calibri" charset="0"/>
+              <a:cs typeface="Times New Roman" charset="0"/>
+            </a:endParaRPr>
+          </a:p>
+          <a:p>
+            <a:pPr>
+              <a:spcAft>
+                <a:spcPts val="0"/>
+              </a:spcAft>
+            </a:pPr>
+            <a:r>
+              <a:rPr lang="en-US" sz="2400" dirty="0">
+                <a:latin typeface="Calibri" charset="0"/>
                 <a:ea typeface="Calibri" charset="0"/>
                 <a:cs typeface="Times New Roman" charset="0"/>
               </a:rPr>
               <a:t>}</a:t>
             </a:r>
-            <a:endParaRPr lang="en-US" sz="2800" dirty="0">
+          </a:p>
+          <a:p>
+            <a:pPr>
+              <a:spcAft>
+                <a:spcPts val="0"/>
+              </a:spcAft>
+            </a:pPr>
+            <a:r>
+              <a:rPr lang="en-US" sz="2400" dirty="0">
+                <a:latin typeface="Calibri" charset="0"/>
+                <a:ea typeface="Calibri" charset="0"/>
+                <a:cs typeface="Times New Roman" charset="0"/>
+              </a:rPr>
+              <a:t> </a:t>
+            </a:r>
+          </a:p>
+          <a:p>
+            <a:pPr>
+              <a:spcAft>
+                <a:spcPts val="0"/>
+              </a:spcAft>
+            </a:pPr>
+            <a:r>
+              <a:rPr lang="en-US" sz="2400" dirty="0">
+                <a:latin typeface="Calibri" charset="0"/>
+                <a:ea typeface="Calibri" charset="0"/>
+                <a:cs typeface="Times New Roman" charset="0"/>
+              </a:rPr>
+              <a:t> </a:t>
+            </a:r>
+            <a:r>
+              <a:rPr lang="en-US" sz="2400" dirty="0" smtClean="0">
+                <a:latin typeface="Calibri" charset="0"/>
+                <a:ea typeface="Calibri" charset="0"/>
+                <a:cs typeface="Times New Roman" charset="0"/>
+              </a:rPr>
+              <a:t>rewrite </a:t>
+            </a:r>
+            <a:r>
+              <a:rPr lang="en-US" sz="2400" dirty="0">
+                <a:latin typeface="Calibri" charset="0"/>
+                <a:ea typeface="Calibri" charset="0"/>
+                <a:cs typeface="Times New Roman" charset="0"/>
+              </a:rPr>
+              <a:t>{</a:t>
+            </a:r>
+          </a:p>
+          <a:p>
+            <a:pPr>
+              <a:spcAft>
+                <a:spcPts val="0"/>
+              </a:spcAft>
+            </a:pPr>
+            <a:r>
+              <a:rPr lang="en-US" sz="2400" dirty="0">
+                <a:latin typeface="Calibri" charset="0"/>
+                <a:ea typeface="Calibri" charset="0"/>
+                <a:cs typeface="Times New Roman" charset="0"/>
+              </a:rPr>
+              <a:t>    if if {&gt;User-agent} has mobile</a:t>
+            </a:r>
+          </a:p>
+          <a:p>
+            <a:pPr>
+              <a:spcAft>
+                <a:spcPts val="0"/>
+              </a:spcAft>
+            </a:pPr>
+            <a:r>
+              <a:rPr lang="en-US" sz="2400" dirty="0">
+                <a:latin typeface="Calibri" charset="0"/>
+                <a:ea typeface="Calibri" charset="0"/>
+                <a:cs typeface="Times New Roman" charset="0"/>
+              </a:rPr>
+              <a:t>    to {path} {path}/ /mobile/</a:t>
+            </a:r>
+            <a:r>
+              <a:rPr lang="en-US" sz="2400" dirty="0" err="1">
+                <a:latin typeface="Calibri" charset="0"/>
+                <a:ea typeface="Calibri" charset="0"/>
+                <a:cs typeface="Times New Roman" charset="0"/>
+              </a:rPr>
+              <a:t>index.php</a:t>
+            </a:r>
+            <a:endParaRPr lang="en-US" sz="2400" dirty="0">
+              <a:latin typeface="Calibri" charset="0"/>
+              <a:ea typeface="Calibri" charset="0"/>
+              <a:cs typeface="Times New Roman" charset="0"/>
+            </a:endParaRPr>
+          </a:p>
+          <a:p>
+            <a:pPr>
+              <a:spcAft>
+                <a:spcPts val="0"/>
+              </a:spcAft>
+            </a:pPr>
+            <a:r>
+              <a:rPr lang="en-US" sz="2400" dirty="0">
+                <a:latin typeface="Calibri" charset="0"/>
+                <a:ea typeface="Calibri" charset="0"/>
+                <a:cs typeface="Times New Roman" charset="0"/>
+              </a:rPr>
+              <a:t>}</a:t>
+            </a:r>
+          </a:p>
+          <a:p>
+            <a:pPr>
+              <a:spcAft>
+                <a:spcPts val="0"/>
+              </a:spcAft>
+            </a:pPr>
+            <a:r>
+              <a:rPr lang="en-US" sz="2400" dirty="0">
+                <a:latin typeface="Calibri" charset="0"/>
+                <a:ea typeface="Calibri" charset="0"/>
+                <a:cs typeface="Times New Roman" charset="0"/>
+              </a:rPr>
+              <a:t> </a:t>
+            </a:r>
+            <a:endParaRPr lang="en-US" sz="2400" dirty="0">
               <a:effectLst/>
               <a:latin typeface="Calibri" charset="0"/>
               <a:ea typeface="Calibri" charset="0"/>
@@ -15143,6 +15634,13 @@
   <p:clrMapOvr>
     <a:masterClrMapping/>
   </p:clrMapOvr>
+  <p:timing>
+    <p:tnLst>
+      <p:par>
+        <p:cTn id="1" dur="indefinite" restart="never" nodeType="tmRoot"/>
+      </p:par>
+    </p:tnLst>
+  </p:timing>
 </p:sld>
 </file>
 

--- a/0x1115/Seminar/Jun-11-Caddy-Nginx.pptx
+++ b/0x1115/Seminar/Jun-11-Caddy-Nginx.pptx
@@ -5493,6 +5493,90 @@
 </p:notes>
 </file>
 
+<file path=ppt/notesSlides/notesSlide4.xml><?xml version="1.0" encoding="utf-8"?>
+<p:notes xmlns:a="http://schemas.openxmlformats.org/drawingml/2006/main" xmlns:r="http://schemas.openxmlformats.org/officeDocument/2006/relationships" xmlns:p="http://schemas.openxmlformats.org/presentationml/2006/main">
+  <p:cSld>
+    <p:spTree>
+      <p:nvGrpSpPr>
+        <p:cNvPr id="1" name=""/>
+        <p:cNvGrpSpPr/>
+        <p:nvPr/>
+      </p:nvGrpSpPr>
+      <p:grpSpPr>
+        <a:xfrm>
+          <a:off x="0" y="0"/>
+          <a:ext cx="0" cy="0"/>
+          <a:chOff x="0" y="0"/>
+          <a:chExt cx="0" cy="0"/>
+        </a:xfrm>
+      </p:grpSpPr>
+      <p:sp>
+        <p:nvSpPr>
+          <p:cNvPr id="2" name="Slide Image Placeholder 1"/>
+          <p:cNvSpPr>
+            <a:spLocks noGrp="1" noRot="1" noChangeAspect="1"/>
+          </p:cNvSpPr>
+          <p:nvPr>
+            <p:ph type="sldImg"/>
+          </p:nvPr>
+        </p:nvSpPr>
+        <p:spPr/>
+      </p:sp>
+      <p:sp>
+        <p:nvSpPr>
+          <p:cNvPr id="3" name="Notes Placeholder 2"/>
+          <p:cNvSpPr>
+            <a:spLocks noGrp="1"/>
+          </p:cNvSpPr>
+          <p:nvPr>
+            <p:ph type="body" idx="1"/>
+          </p:nvPr>
+        </p:nvSpPr>
+        <p:spPr/>
+        <p:txBody>
+          <a:bodyPr/>
+          <a:lstStyle/>
+          <a:p>
+            <a:endParaRPr lang="en-US" dirty="0"/>
+          </a:p>
+        </p:txBody>
+      </p:sp>
+      <p:sp>
+        <p:nvSpPr>
+          <p:cNvPr id="4" name="Slide Number Placeholder 3"/>
+          <p:cNvSpPr>
+            <a:spLocks noGrp="1"/>
+          </p:cNvSpPr>
+          <p:nvPr>
+            <p:ph type="sldNum" sz="quarter" idx="10"/>
+          </p:nvPr>
+        </p:nvSpPr>
+        <p:spPr/>
+        <p:txBody>
+          <a:bodyPr/>
+          <a:lstStyle/>
+          <a:p>
+            <a:fld id="{2D23A6C0-EBF9-C74F-BFBD-EA76FFDACC22}" type="slidenum">
+              <a:rPr lang="en-US" smtClean="0"/>
+              <a:t>11</a:t>
+            </a:fld>
+            <a:endParaRPr lang="en-US"/>
+          </a:p>
+        </p:txBody>
+      </p:sp>
+    </p:spTree>
+    <p:extLst>
+      <p:ext uri="{BB962C8B-B14F-4D97-AF65-F5344CB8AC3E}">
+        <p14:creationId xmlns:p14="http://schemas.microsoft.com/office/powerpoint/2010/main" val="380964314"/>
+      </p:ext>
+    </p:extLst>
+  </p:cSld>
+  <p:clrMapOvr>
+    <a:masterClrMapping/>
+  </p:clrMapOvr>
+</p:notes>
+</file>
+
 <file path=ppt/slideLayouts/slideLayout1.xml><?xml version="1.0" encoding="utf-8"?>
 <p:sldLayout xmlns:a="http://schemas.openxmlformats.org/drawingml/2006/main" xmlns:r="http://schemas.openxmlformats.org/officeDocument/2006/relationships" xmlns:p="http://schemas.openxmlformats.org/presentationml/2006/main" showMasterSp="0" type="title" preserve="1">
   <p:cSld name="Title Slide">
@@ -9796,7 +9880,7 @@
         </p:blipFill>
         <p:spPr>
           <a:xfrm>
-            <a:off x="0" y="6019619"/>
+            <a:off x="0" y="4876072"/>
             <a:ext cx="12192000" cy="897499"/>
           </a:xfrm>
           <a:prstGeom prst="rect">
@@ -10359,7 +10443,7 @@
         <p:spPr>
           <a:xfrm>
             <a:off x="404190" y="1095538"/>
-            <a:ext cx="9992140" cy="1569660"/>
+            <a:ext cx="9992140" cy="1077218"/>
           </a:xfrm>
           <a:prstGeom prst="rect">
             <a:avLst/>
@@ -10386,9 +10470,6 @@
             <a:endParaRPr lang="en-US" sz="3200" dirty="0" smtClean="0"/>
           </a:p>
           <a:p>
-            <a:endParaRPr lang="en-US" sz="3200" dirty="0" smtClean="0"/>
-          </a:p>
-          <a:p>
             <a:r>
               <a:rPr lang="en-US" sz="3200" dirty="0" err="1"/>
               <a:t>fastcgi</a:t>
@@ -10410,6 +10491,190 @@
               <a:t>php</a:t>
             </a:r>
             <a:endParaRPr lang="en-US" sz="3200" dirty="0"/>
+          </a:p>
+        </p:txBody>
+      </p:sp>
+      <p:sp>
+        <p:nvSpPr>
+          <p:cNvPr id="5" name="Rectangle 4"/>
+          <p:cNvSpPr/>
+          <p:nvPr/>
+        </p:nvSpPr>
+        <p:spPr>
+          <a:xfrm>
+            <a:off x="404189" y="2366719"/>
+            <a:ext cx="11642035" cy="1261884"/>
+          </a:xfrm>
+          <a:prstGeom prst="rect">
+            <a:avLst/>
+          </a:prstGeom>
+        </p:spPr>
+        <p:txBody>
+          <a:bodyPr wrap="square">
+            <a:spAutoFit/>
+          </a:bodyPr>
+          <a:lstStyle/>
+          <a:p>
+            <a:r>
+              <a:rPr lang="en-US" sz="4800" b="1" dirty="0" smtClean="0"/>
+              <a:t>Search (Using </a:t>
+            </a:r>
+            <a:r>
+              <a:rPr lang="en-US" sz="4800" b="1" dirty="0" err="1" smtClean="0"/>
+              <a:t>Bleve</a:t>
+            </a:r>
+            <a:r>
+              <a:rPr lang="en-US" sz="4800" b="1" dirty="0" smtClean="0"/>
+              <a:t> Engine)</a:t>
+            </a:r>
+            <a:endParaRPr lang="en-US" sz="2800" b="1" dirty="0"/>
+          </a:p>
+          <a:p>
+            <a:endParaRPr lang="en-US" sz="2800" b="1" dirty="0"/>
+          </a:p>
+        </p:txBody>
+      </p:sp>
+      <p:sp>
+        <p:nvSpPr>
+          <p:cNvPr id="3" name="Rectangle 2"/>
+          <p:cNvSpPr/>
+          <p:nvPr/>
+        </p:nvSpPr>
+        <p:spPr>
+          <a:xfrm>
+            <a:off x="404189" y="3482954"/>
+            <a:ext cx="6096000" cy="2246769"/>
+          </a:xfrm>
+          <a:prstGeom prst="rect">
+            <a:avLst/>
+          </a:prstGeom>
+        </p:spPr>
+        <p:txBody>
+          <a:bodyPr>
+            <a:spAutoFit/>
+          </a:bodyPr>
+          <a:lstStyle/>
+          <a:p>
+            <a:pPr>
+              <a:spcAft>
+                <a:spcPts val="0"/>
+              </a:spcAft>
+            </a:pPr>
+            <a:r>
+              <a:rPr lang="en-US" sz="2800" dirty="0">
+                <a:latin typeface="Calibri" charset="0"/>
+                <a:ea typeface="Calibri" charset="0"/>
+                <a:cs typeface="Times New Roman" charset="0"/>
+              </a:rPr>
+              <a:t>search ^/blog/ {</a:t>
+            </a:r>
+          </a:p>
+          <a:p>
+            <a:pPr>
+              <a:spcAft>
+                <a:spcPts val="0"/>
+              </a:spcAft>
+            </a:pPr>
+            <a:r>
+              <a:rPr lang="en-US" sz="2800" dirty="0">
+                <a:latin typeface="Calibri" charset="0"/>
+                <a:ea typeface="Calibri" charset="0"/>
+                <a:cs typeface="Times New Roman" charset="0"/>
+              </a:rPr>
+              <a:t>	+path /static/docs</a:t>
+            </a:r>
+          </a:p>
+          <a:p>
+            <a:pPr>
+              <a:spcAft>
+                <a:spcPts val="0"/>
+              </a:spcAft>
+            </a:pPr>
+            <a:r>
+              <a:rPr lang="en-US" sz="2800" dirty="0">
+                <a:latin typeface="Calibri" charset="0"/>
+                <a:ea typeface="Calibri" charset="0"/>
+                <a:cs typeface="Times New Roman" charset="0"/>
+              </a:rPr>
+              <a:t>	-path ^/blog/admin/</a:t>
+            </a:r>
+          </a:p>
+          <a:p>
+            <a:pPr>
+              <a:spcAft>
+                <a:spcPts val="0"/>
+              </a:spcAft>
+            </a:pPr>
+            <a:r>
+              <a:rPr lang="en-US" sz="2800" dirty="0">
+                <a:latin typeface="Calibri" charset="0"/>
+                <a:ea typeface="Calibri" charset="0"/>
+                <a:cs typeface="Times New Roman" charset="0"/>
+              </a:rPr>
+              <a:t>	-path </a:t>
+            </a:r>
+            <a:r>
+              <a:rPr lang="en-US" sz="2800" dirty="0" err="1">
+                <a:latin typeface="Calibri" charset="0"/>
+                <a:ea typeface="Calibri" charset="0"/>
+                <a:cs typeface="Times New Roman" charset="0"/>
+              </a:rPr>
+              <a:t>robots.txt</a:t>
+            </a:r>
+            <a:endParaRPr lang="en-US" sz="2800" dirty="0">
+              <a:latin typeface="Calibri" charset="0"/>
+              <a:ea typeface="Calibri" charset="0"/>
+              <a:cs typeface="Times New Roman" charset="0"/>
+            </a:endParaRPr>
+          </a:p>
+          <a:p>
+            <a:pPr>
+              <a:spcAft>
+                <a:spcPts val="0"/>
+              </a:spcAft>
+            </a:pPr>
+            <a:r>
+              <a:rPr lang="en-US" sz="2800" dirty="0">
+                <a:latin typeface="Calibri" charset="0"/>
+                <a:ea typeface="Calibri" charset="0"/>
+                <a:cs typeface="Times New Roman" charset="0"/>
+              </a:rPr>
+              <a:t>}</a:t>
+            </a:r>
+            <a:endParaRPr lang="en-US" sz="2800" dirty="0">
+              <a:effectLst/>
+              <a:latin typeface="Calibri" charset="0"/>
+              <a:ea typeface="Calibri" charset="0"/>
+              <a:cs typeface="Times New Roman" charset="0"/>
+            </a:endParaRPr>
+          </a:p>
+        </p:txBody>
+      </p:sp>
+      <p:sp>
+        <p:nvSpPr>
+          <p:cNvPr id="6" name="Rectangle 5"/>
+          <p:cNvSpPr/>
+          <p:nvPr/>
+        </p:nvSpPr>
+        <p:spPr>
+          <a:xfrm>
+            <a:off x="404189" y="3074605"/>
+            <a:ext cx="5359609" cy="523220"/>
+          </a:xfrm>
+          <a:prstGeom prst="rect">
+            <a:avLst/>
+          </a:prstGeom>
+        </p:spPr>
+        <p:txBody>
+          <a:bodyPr wrap="none">
+            <a:spAutoFit/>
+          </a:bodyPr>
+          <a:lstStyle/>
+          <a:p>
+            <a:r>
+              <a:rPr lang="en-US" sz="2800" dirty="0"/>
+              <a:t>full-text search and indexing for Go</a:t>
+            </a:r>
           </a:p>
         </p:txBody>
       </p:sp>
@@ -14553,8 +14818,8 @@
         </p:nvSpPr>
         <p:spPr>
           <a:xfrm>
-            <a:off x="759637" y="3526973"/>
-            <a:ext cx="5782673" cy="369332"/>
+            <a:off x="411212" y="3526973"/>
+            <a:ext cx="7655044" cy="461665"/>
           </a:xfrm>
           <a:prstGeom prst="rect">
             <a:avLst/>
@@ -14567,15 +14832,15 @@
           <a:lstStyle/>
           <a:p>
             <a:r>
-              <a:rPr lang="en-US"/>
+              <a:rPr lang="en-US" sz="2400" dirty="0"/>
               <a:t>$ curl -H "Accept: application/</a:t>
             </a:r>
             <a:r>
-              <a:rPr lang="en-US" dirty="0" err="1"/>
+              <a:rPr lang="en-US" sz="2400" dirty="0" err="1"/>
               <a:t>json</a:t>
             </a:r>
             <a:r>
-              <a:rPr lang="en-US" dirty="0"/>
+              <a:rPr lang="en-US" sz="2400" dirty="0"/>
               <a:t>" 'localhost:2015/?limit=1'</a:t>
             </a:r>
           </a:p>
